--- a/module_4/module4.pptx
+++ b/module_4/module4.pptx
@@ -5,15 +5,17 @@
     <p:sldMasterId id="2147483648" r:id="rId1"/>
   </p:sldMasterIdLst>
   <p:notesMasterIdLst>
-    <p:notesMasterId r:id="rId8"/>
+    <p:notesMasterId r:id="rId10"/>
   </p:notesMasterIdLst>
   <p:sldIdLst>
     <p:sldId id="256" r:id="rId2"/>
     <p:sldId id="257" r:id="rId3"/>
     <p:sldId id="258" r:id="rId4"/>
-    <p:sldId id="363" r:id="rId5"/>
-    <p:sldId id="364" r:id="rId6"/>
-    <p:sldId id="311" r:id="rId7"/>
+    <p:sldId id="365" r:id="rId5"/>
+    <p:sldId id="366" r:id="rId6"/>
+    <p:sldId id="363" r:id="rId7"/>
+    <p:sldId id="364" r:id="rId8"/>
+    <p:sldId id="311" r:id="rId9"/>
   </p:sldIdLst>
   <p:sldSz cx="12192000" cy="6858000"/>
   <p:notesSz cx="6858000" cy="9144000"/>
@@ -737,6 +739,138 @@
     </p:spTree>
     <p:extLst>
       <p:ext uri="{BB962C8B-B14F-4D97-AF65-F5344CB8AC3E}">
+        <p14:creationId xmlns:p14="http://schemas.microsoft.com/office/powerpoint/2010/main" val="1296784312"/>
+      </p:ext>
+    </p:extLst>
+  </p:cSld>
+  <p:clrMapOvr>
+    <a:masterClrMapping/>
+  </p:clrMapOvr>
+</p:notes>
+</file>
+
+<file path=ppt/notesSlides/notesSlide5.xml><?xml version="1.0" encoding="utf-8"?>
+<p:notes xmlns:a="http://schemas.openxmlformats.org/drawingml/2006/main" xmlns:r="http://schemas.openxmlformats.org/officeDocument/2006/relationships" xmlns:p="http://schemas.openxmlformats.org/presentationml/2006/main">
+  <p:cSld>
+    <p:spTree>
+      <p:nvGrpSpPr>
+        <p:cNvPr id="1" name=""/>
+        <p:cNvGrpSpPr/>
+        <p:nvPr/>
+      </p:nvGrpSpPr>
+      <p:grpSpPr>
+        <a:xfrm>
+          <a:off x="0" y="0"/>
+          <a:ext cx="0" cy="0"/>
+          <a:chOff x="0" y="0"/>
+          <a:chExt cx="0" cy="0"/>
+        </a:xfrm>
+      </p:grpSpPr>
+      <p:sp>
+        <p:nvSpPr>
+          <p:cNvPr id="2" name="Образ слайда 1"/>
+          <p:cNvSpPr>
+            <a:spLocks noGrp="1" noRot="1" noChangeAspect="1"/>
+          </p:cNvSpPr>
+          <p:nvPr>
+            <p:ph type="sldImg"/>
+          </p:nvPr>
+        </p:nvSpPr>
+        <p:spPr>
+          <a:xfrm>
+            <a:off x="381000" y="685800"/>
+            <a:ext cx="6096000" cy="3429000"/>
+          </a:xfrm>
+        </p:spPr>
+      </p:sp>
+      <p:sp>
+        <p:nvSpPr>
+          <p:cNvPr id="3" name="Заметки 2"/>
+          <p:cNvSpPr>
+            <a:spLocks noGrp="1"/>
+          </p:cNvSpPr>
+          <p:nvPr>
+            <p:ph type="body" idx="1"/>
+          </p:nvPr>
+        </p:nvSpPr>
+        <p:spPr/>
+        <p:txBody>
+          <a:bodyPr/>
+          <a:lstStyle/>
+          <a:p>
+            <a:endParaRPr lang="ru-RU"/>
+          </a:p>
+        </p:txBody>
+      </p:sp>
+    </p:spTree>
+    <p:extLst>
+      <p:ext uri="{BB962C8B-B14F-4D97-AF65-F5344CB8AC3E}">
+        <p14:creationId xmlns:p14="http://schemas.microsoft.com/office/powerpoint/2010/main" val="4247725360"/>
+      </p:ext>
+    </p:extLst>
+  </p:cSld>
+  <p:clrMapOvr>
+    <a:masterClrMapping/>
+  </p:clrMapOvr>
+</p:notes>
+</file>
+
+<file path=ppt/notesSlides/notesSlide6.xml><?xml version="1.0" encoding="utf-8"?>
+<p:notes xmlns:a="http://schemas.openxmlformats.org/drawingml/2006/main" xmlns:r="http://schemas.openxmlformats.org/officeDocument/2006/relationships" xmlns:p="http://schemas.openxmlformats.org/presentationml/2006/main">
+  <p:cSld>
+    <p:spTree>
+      <p:nvGrpSpPr>
+        <p:cNvPr id="1" name=""/>
+        <p:cNvGrpSpPr/>
+        <p:nvPr/>
+      </p:nvGrpSpPr>
+      <p:grpSpPr>
+        <a:xfrm>
+          <a:off x="0" y="0"/>
+          <a:ext cx="0" cy="0"/>
+          <a:chOff x="0" y="0"/>
+          <a:chExt cx="0" cy="0"/>
+        </a:xfrm>
+      </p:grpSpPr>
+      <p:sp>
+        <p:nvSpPr>
+          <p:cNvPr id="2" name="Образ слайда 1"/>
+          <p:cNvSpPr>
+            <a:spLocks noGrp="1" noRot="1" noChangeAspect="1"/>
+          </p:cNvSpPr>
+          <p:nvPr>
+            <p:ph type="sldImg"/>
+          </p:nvPr>
+        </p:nvSpPr>
+        <p:spPr>
+          <a:xfrm>
+            <a:off x="381000" y="685800"/>
+            <a:ext cx="6096000" cy="3429000"/>
+          </a:xfrm>
+        </p:spPr>
+      </p:sp>
+      <p:sp>
+        <p:nvSpPr>
+          <p:cNvPr id="3" name="Заметки 2"/>
+          <p:cNvSpPr>
+            <a:spLocks noGrp="1"/>
+          </p:cNvSpPr>
+          <p:nvPr>
+            <p:ph type="body" idx="1"/>
+          </p:nvPr>
+        </p:nvSpPr>
+        <p:spPr/>
+        <p:txBody>
+          <a:bodyPr/>
+          <a:lstStyle/>
+          <a:p>
+            <a:endParaRPr lang="ru-RU"/>
+          </a:p>
+        </p:txBody>
+      </p:sp>
+    </p:spTree>
+    <p:extLst>
+      <p:ext uri="{BB962C8B-B14F-4D97-AF65-F5344CB8AC3E}">
         <p14:creationId xmlns:p14="http://schemas.microsoft.com/office/powerpoint/2010/main" val="2307915122"/>
       </p:ext>
     </p:extLst>
@@ -747,7 +881,7 @@
 </p:notes>
 </file>
 
-<file path=ppt/notesSlides/notesSlide5.xml><?xml version="1.0" encoding="utf-8"?>
+<file path=ppt/notesSlides/notesSlide7.xml><?xml version="1.0" encoding="utf-8"?>
 <p:notes xmlns:a="http://schemas.openxmlformats.org/drawingml/2006/main" xmlns:r="http://schemas.openxmlformats.org/officeDocument/2006/relationships" xmlns:p="http://schemas.openxmlformats.org/presentationml/2006/main">
   <p:cSld>
     <p:spTree>
@@ -2447,7 +2581,7 @@
           </a:ln>
           <a:extLst>
             <a:ext uri="{C572A759-6A51-4108-AA02-DFA0A04FC94B}">
-              <ma14:wrappingTextBoxFlag xmlns:ma14="http://schemas.microsoft.com/office/mac/drawingml/2011/main" xmlns:a14="http://schemas.microsoft.com/office/drawing/2010/main" xmlns:m="http://schemas.openxmlformats.org/officeDocument/2006/math" xmlns="" val="1"/>
+              <ma14:wrappingTextBoxFlag xmlns="" xmlns:m="http://schemas.openxmlformats.org/officeDocument/2006/math" xmlns:a14="http://schemas.microsoft.com/office/drawing/2010/main" xmlns:ma14="http://schemas.microsoft.com/office/mac/drawingml/2011/main" val="1"/>
             </a:ext>
           </a:extLst>
         </p:spPr>
@@ -2486,7 +2620,7 @@
           </a:ln>
           <a:extLst>
             <a:ext uri="{C572A759-6A51-4108-AA02-DFA0A04FC94B}">
-              <ma14:wrappingTextBoxFlag xmlns:ma14="http://schemas.microsoft.com/office/mac/drawingml/2011/main" xmlns:a14="http://schemas.microsoft.com/office/drawing/2010/main" xmlns:m="http://schemas.openxmlformats.org/officeDocument/2006/math" xmlns="" val="1"/>
+              <ma14:wrappingTextBoxFlag xmlns="" xmlns:m="http://schemas.openxmlformats.org/officeDocument/2006/math" xmlns:a14="http://schemas.microsoft.com/office/drawing/2010/main" xmlns:ma14="http://schemas.microsoft.com/office/mac/drawingml/2011/main" val="1"/>
             </a:ext>
           </a:extLst>
         </p:spPr>
@@ -3533,7 +3667,7 @@
         <p:spPr>
           <a:xfrm>
             <a:off x="878185" y="715223"/>
-            <a:ext cx="10420541" cy="3785652"/>
+            <a:ext cx="10420541" cy="5170646"/>
           </a:xfrm>
           <a:prstGeom prst="rect">
             <a:avLst/>
@@ -3543,7 +3677,7 @@
           </a:ln>
           <a:extLst>
             <a:ext uri="{C572A759-6A51-4108-AA02-DFA0A04FC94B}">
-              <ma14:wrappingTextBoxFlag xmlns:ma14="http://schemas.microsoft.com/office/mac/drawingml/2011/main" xmlns:a14="http://schemas.microsoft.com/office/drawing/2010/main" xmlns:m="http://schemas.openxmlformats.org/officeDocument/2006/math" xmlns="" val="1"/>
+              <ma14:wrappingTextBoxFlag xmlns="" xmlns:m="http://schemas.openxmlformats.org/officeDocument/2006/math" xmlns:a14="http://schemas.microsoft.com/office/drawing/2010/main" xmlns:ma14="http://schemas.microsoft.com/office/mac/drawingml/2011/main" val="1"/>
             </a:ext>
           </a:extLst>
         </p:spPr>
@@ -3648,6 +3782,76 @@
               <a:t>--   Подготовка презентации.</a:t>
             </a:r>
             <a:endParaRPr lang="en-US" sz="2000" dirty="0"/>
+          </a:p>
+          <a:p>
+            <a:r>
+              <a:rPr lang="ru-RU" dirty="0"/>
+              <a:t>Презентация должна содержать:</a:t>
+            </a:r>
+          </a:p>
+          <a:p>
+            <a:pPr marL="285750" indent="-285750">
+              <a:buFont typeface="Arial" panose="020B0604020202020204" pitchFamily="34" charset="0"/>
+              <a:buChar char="•"/>
+            </a:pPr>
+            <a:r>
+              <a:rPr lang="ru-RU" dirty="0"/>
+              <a:t>Структуру </a:t>
+            </a:r>
+            <a:r>
+              <a:rPr lang="ru-RU" dirty="0" err="1"/>
+              <a:t>датасета</a:t>
+            </a:r>
+            <a:r>
+              <a:rPr lang="ru-RU" dirty="0"/>
+              <a:t>.</a:t>
+            </a:r>
+          </a:p>
+          <a:p>
+            <a:pPr marL="285750" indent="-285750">
+              <a:buFont typeface="Arial" panose="020B0604020202020204" pitchFamily="34" charset="0"/>
+              <a:buChar char="•"/>
+            </a:pPr>
+            <a:r>
+              <a:rPr lang="ru-RU" dirty="0"/>
+              <a:t>Описание данных и их отношение к оценке прибыльности.</a:t>
+            </a:r>
+          </a:p>
+          <a:p>
+            <a:pPr marL="285750" indent="-285750">
+              <a:buFont typeface="Arial" panose="020B0604020202020204" pitchFamily="34" charset="0"/>
+              <a:buChar char="•"/>
+            </a:pPr>
+            <a:r>
+              <a:rPr lang="ru-RU" dirty="0"/>
+              <a:t>Данные, которые можно добавить в таблицу, но</a:t>
+            </a:r>
+            <a:r>
+              <a:rPr lang="en-US" dirty="0"/>
+              <a:t> </a:t>
+            </a:r>
+            <a:r>
+              <a:rPr lang="ru-RU" dirty="0"/>
+              <a:t>не были найдены в базе данных.</a:t>
+            </a:r>
+          </a:p>
+          <a:p>
+            <a:pPr marL="285750" indent="-285750">
+              <a:buFont typeface="Arial" panose="020B0604020202020204" pitchFamily="34" charset="0"/>
+              <a:buChar char="•"/>
+            </a:pPr>
+            <a:r>
+              <a:rPr lang="ru-RU" dirty="0"/>
+              <a:t>Возможные способы оценки прибыльности рейсов на основе </a:t>
+            </a:r>
+            <a:r>
+              <a:rPr lang="ru-RU" dirty="0" err="1"/>
+              <a:t>датасета</a:t>
+            </a:r>
+            <a:r>
+              <a:rPr lang="ru-RU" dirty="0"/>
+              <a:t>.</a:t>
+            </a:r>
           </a:p>
           <a:p>
             <a:pPr defTabSz="457200">
@@ -3763,7 +3967,7 @@
         <p:spPr>
           <a:xfrm>
             <a:off x="878186" y="323335"/>
-            <a:ext cx="10420540" cy="2185214"/>
+            <a:ext cx="10420540" cy="1446550"/>
           </a:xfrm>
           <a:prstGeom prst="rect">
             <a:avLst/>
@@ -3773,7 +3977,7 @@
           </a:ln>
           <a:extLst>
             <a:ext uri="{C572A759-6A51-4108-AA02-DFA0A04FC94B}">
-              <ma14:wrappingTextBoxFlag xmlns:ma14="http://schemas.microsoft.com/office/mac/drawingml/2011/main" xmlns:a14="http://schemas.microsoft.com/office/drawing/2010/main" xmlns:m="http://schemas.openxmlformats.org/officeDocument/2006/math" xmlns="" val="1"/>
+              <ma14:wrappingTextBoxFlag xmlns="" xmlns:m="http://schemas.openxmlformats.org/officeDocument/2006/math" xmlns:a14="http://schemas.microsoft.com/office/drawing/2010/main" xmlns:ma14="http://schemas.microsoft.com/office/mac/drawingml/2011/main" val="1"/>
             </a:ext>
           </a:extLst>
         </p:spPr>
@@ -3870,65 +4074,13 @@
             </a:r>
             <a:r>
               <a:rPr lang="ru-RU" dirty="0"/>
-              <a:t>, но читаемость будет явно хуже):</a:t>
-            </a:r>
-          </a:p>
-          <a:p>
-            <a:pPr marL="342900" indent="-342900" defTabSz="457200">
-              <a:buAutoNum type="arabicPeriod"/>
-              <a:defRPr sz="1600">
-                <a:latin typeface="Helvetica Neue Thin"/>
-                <a:ea typeface="Helvetica Neue Thin"/>
-                <a:cs typeface="Helvetica Neue Thin"/>
-                <a:sym typeface="Helvetica Neue Thin"/>
-              </a:defRPr>
-            </a:pPr>
-            <a:r>
-              <a:rPr lang="en-US" dirty="0" err="1"/>
-              <a:t>aircrafts_capacity</a:t>
-            </a:r>
-            <a:r>
-              <a:rPr lang="ru-RU" dirty="0"/>
-              <a:t> – список самолетов с их вместимостью</a:t>
-            </a:r>
-          </a:p>
-          <a:p>
-            <a:pPr marL="342900" indent="-342900" defTabSz="457200">
-              <a:buAutoNum type="arabicPeriod"/>
-              <a:defRPr sz="1600">
-                <a:latin typeface="Helvetica Neue Thin"/>
-                <a:ea typeface="Helvetica Neue Thin"/>
-                <a:cs typeface="Helvetica Neue Thin"/>
-                <a:sym typeface="Helvetica Neue Thin"/>
-              </a:defRPr>
-            </a:pPr>
-            <a:r>
-              <a:rPr lang="en-US" dirty="0" err="1"/>
-              <a:t>flights_interested</a:t>
-            </a:r>
-            <a:r>
-              <a:rPr lang="ru-RU" dirty="0"/>
-              <a:t> - все зимние рейсы из Анапы 2017-го года</a:t>
-            </a:r>
-          </a:p>
-          <a:p>
-            <a:pPr marL="342900" indent="-342900" defTabSz="457200">
-              <a:buAutoNum type="arabicPeriod"/>
-              <a:defRPr sz="1600">
-                <a:latin typeface="Helvetica Neue Thin"/>
-                <a:ea typeface="Helvetica Neue Thin"/>
-                <a:cs typeface="Helvetica Neue Thin"/>
-                <a:sym typeface="Helvetica Neue Thin"/>
-              </a:defRPr>
-            </a:pPr>
-            <a:r>
-              <a:rPr lang="en-US" dirty="0" err="1"/>
-              <a:t>flights_fullness</a:t>
-            </a:r>
-            <a:r>
-              <a:rPr lang="ru-RU" dirty="0"/>
-              <a:t> – анализ рейсов на заполняемость</a:t>
-            </a:r>
+              <a:t>, но читаемость будет явно хуже</a:t>
+            </a:r>
+            <a:r>
+              <a:rPr lang="en-US" dirty="0"/>
+              <a:t>)</a:t>
+            </a:r>
+            <a:endParaRPr lang="ru-RU" dirty="0"/>
           </a:p>
         </p:txBody>
       </p:sp>
@@ -3963,10 +4115,10 @@
       </p:sp>
       <p:sp>
         <p:nvSpPr>
-          <p:cNvPr id="4" name="TextBox 1">
+          <p:cNvPr id="5" name="TextBox 1">
             <a:extLst>
               <a:ext uri="{FF2B5EF4-FFF2-40B4-BE49-F238E27FC236}">
-                <a16:creationId xmlns:a16="http://schemas.microsoft.com/office/drawing/2014/main" id="{5C0A69F8-0D8F-4DBD-B9EE-8E58B2BD8119}"/>
+                <a16:creationId xmlns:a16="http://schemas.microsoft.com/office/drawing/2014/main" id="{81ABF80A-F56B-4B8C-8C97-351EDE0C1897}"/>
               </a:ext>
             </a:extLst>
           </p:cNvPr>
@@ -3975,8 +4127,8 @@
         </p:nvSpPr>
         <p:spPr>
           <a:xfrm>
-            <a:off x="878185" y="2789729"/>
-            <a:ext cx="10420540" cy="3785652"/>
+            <a:off x="878186" y="2108595"/>
+            <a:ext cx="10420540" cy="4524315"/>
           </a:xfrm>
           <a:prstGeom prst="rect">
             <a:avLst/>
@@ -3986,7 +4138,7 @@
           </a:ln>
           <a:extLst>
             <a:ext uri="{C572A759-6A51-4108-AA02-DFA0A04FC94B}">
-              <ma14:wrappingTextBoxFlag xmlns:ma14="http://schemas.microsoft.com/office/mac/drawingml/2011/main" xmlns:a14="http://schemas.microsoft.com/office/drawing/2010/main" xmlns:m="http://schemas.openxmlformats.org/officeDocument/2006/math" xmlns="" val="1"/>
+              <ma14:wrappingTextBoxFlag xmlns="" xmlns:m="http://schemas.openxmlformats.org/officeDocument/2006/math" xmlns:a14="http://schemas.microsoft.com/office/drawing/2010/main" xmlns:ma14="http://schemas.microsoft.com/office/mac/drawingml/2011/main" val="1"/>
             </a:ext>
           </a:extLst>
         </p:spPr>
@@ -4006,11 +4158,23 @@
             </a:pPr>
             <a:r>
               <a:rPr lang="ru-RU" dirty="0"/>
-              <a:t>Добавленные данные:</a:t>
-            </a:r>
+              <a:t>Структура запроса следующая:</a:t>
+            </a:r>
+          </a:p>
+          <a:p>
+            <a:pPr>
+              <a:defRPr sz="1600">
+                <a:latin typeface="Helvetica Neue Thin"/>
+                <a:ea typeface="Helvetica Neue Thin"/>
+                <a:cs typeface="Helvetica Neue Thin"/>
+                <a:sym typeface="Helvetica Neue Thin"/>
+              </a:defRPr>
+            </a:pPr>
+            <a:endParaRPr lang="ru-RU" dirty="0"/>
           </a:p>
           <a:p>
             <a:pPr marL="342900" indent="-342900">
+              <a:buFont typeface="+mj-lt"/>
               <a:buAutoNum type="arabicPeriod"/>
               <a:defRPr sz="1600">
                 <a:latin typeface="Helvetica Neue Thin"/>
@@ -4020,29 +4184,18 @@
               </a:defRPr>
             </a:pPr>
             <a:r>
-              <a:rPr lang="en-US" dirty="0"/>
-              <a:t>"</a:t>
-            </a:r>
-            <a:r>
               <a:rPr lang="en-US" dirty="0" err="1"/>
-              <a:t>total_flight_amount</a:t>
-            </a:r>
-            <a:r>
-              <a:rPr lang="en-US" dirty="0"/>
-              <a:t>” – </a:t>
+              <a:t>aircrafts_capacity</a:t>
             </a:r>
             <a:r>
               <a:rPr lang="ru-RU" dirty="0"/>
-              <a:t>сумма полученная со всех пассажиров (непосредственно влияет на понимание прибыльности)</a:t>
-            </a:r>
-            <a:r>
-              <a:rPr lang="en-US" dirty="0"/>
-              <a:t>;</a:t>
-            </a:r>
-            <a:endParaRPr lang="ru-RU" dirty="0"/>
+              <a:t> – список самолетов с их вместимостью</a:t>
+            </a:r>
+            <a:endParaRPr lang="en-US" dirty="0"/>
           </a:p>
           <a:p>
             <a:pPr marL="342900" indent="-342900">
+              <a:buFont typeface="+mj-lt"/>
               <a:buAutoNum type="arabicPeriod"/>
               <a:defRPr sz="1600">
                 <a:latin typeface="Helvetica Neue Thin"/>
@@ -4055,6 +4208,7 @@
           </a:p>
           <a:p>
             <a:pPr marL="342900" indent="-342900">
+              <a:buFont typeface="+mj-lt"/>
               <a:buAutoNum type="arabicPeriod"/>
               <a:defRPr sz="1600">
                 <a:latin typeface="Helvetica Neue Thin"/>
@@ -4064,27 +4218,12 @@
               </a:defRPr>
             </a:pPr>
             <a:r>
+              <a:rPr lang="en-US" dirty="0" err="1"/>
+              <a:t>flights_interested</a:t>
+            </a:r>
+            <a:r>
               <a:rPr lang="ru-RU" dirty="0"/>
-              <a:t>Сразу три взаимосвязанных параметра, каждый из которых может влиять на оценку:</a:t>
-            </a:r>
-            <a:br>
-              <a:rPr lang="ru-RU" dirty="0"/>
-            </a:br>
-            <a:r>
-              <a:rPr lang="en-US" dirty="0"/>
-              <a:t>"</a:t>
-            </a:r>
-            <a:r>
-              <a:rPr lang="en-US" dirty="0" err="1"/>
-              <a:t>bought_tickets</a:t>
-            </a:r>
-            <a:r>
-              <a:rPr lang="en-US" dirty="0"/>
-              <a:t>” – </a:t>
-            </a:r>
-            <a:r>
-              <a:rPr lang="ru-RU" dirty="0"/>
-              <a:t>количество купленных билетов</a:t>
+              <a:t> – это получение целевых 127 рейсов (все зимние рейсы из Анапы 2017-го года)</a:t>
             </a:r>
             <a:r>
               <a:rPr lang="en-US" dirty="0"/>
@@ -4092,12 +4231,170 @@
             </a:r>
             <a:r>
               <a:rPr lang="ru-RU" dirty="0"/>
-              <a:t>(оценка популярности рейса и/или возможность его расширения путем замены на более вместительный самолет)</a:t>
+              <a:t>из таблицы </a:t>
             </a:r>
             <a:r>
               <a:rPr lang="en-US" dirty="0"/>
-              <a:t>,</a:t>
-            </a:r>
+              <a:t>flights</a:t>
+            </a:r>
+            <a:r>
+              <a:rPr lang="ru-RU" dirty="0"/>
+              <a:t>,а также вычисление разных сопутствующих (будут описаны далее) полей на основании присутствующих, и соединение этого по каждому рейсу с данными по аэропортам.</a:t>
+            </a:r>
+          </a:p>
+          <a:p>
+            <a:pPr marL="342900" indent="-342900">
+              <a:buFont typeface="+mj-lt"/>
+              <a:buAutoNum type="arabicPeriod"/>
+              <a:defRPr sz="1600">
+                <a:latin typeface="Helvetica Neue Thin"/>
+                <a:ea typeface="Helvetica Neue Thin"/>
+                <a:cs typeface="Helvetica Neue Thin"/>
+                <a:sym typeface="Helvetica Neue Thin"/>
+              </a:defRPr>
+            </a:pPr>
+            <a:r>
+              <a:rPr lang="en-US" dirty="0" err="1"/>
+              <a:t>aircrafts_capacity</a:t>
+            </a:r>
+            <a:r>
+              <a:rPr lang="ru-RU" dirty="0"/>
+              <a:t> - получение списка самолетов с их вместимостью</a:t>
+            </a:r>
+          </a:p>
+          <a:p>
+            <a:pPr marL="342900" indent="-342900">
+              <a:buFont typeface="+mj-lt"/>
+              <a:buAutoNum type="arabicPeriod"/>
+              <a:defRPr sz="1600">
+                <a:latin typeface="Helvetica Neue Thin"/>
+                <a:ea typeface="Helvetica Neue Thin"/>
+                <a:cs typeface="Helvetica Neue Thin"/>
+                <a:sym typeface="Helvetica Neue Thin"/>
+              </a:defRPr>
+            </a:pPr>
+            <a:endParaRPr lang="ru-RU" dirty="0"/>
+          </a:p>
+          <a:p>
+            <a:pPr marL="342900" indent="-342900" defTabSz="457200">
+              <a:buAutoNum type="arabicPeriod"/>
+              <a:defRPr sz="1600">
+                <a:latin typeface="Helvetica Neue Thin"/>
+                <a:ea typeface="Helvetica Neue Thin"/>
+                <a:cs typeface="Helvetica Neue Thin"/>
+                <a:sym typeface="Helvetica Neue Thin"/>
+              </a:defRPr>
+            </a:pPr>
+            <a:r>
+              <a:rPr lang="en-US" dirty="0" err="1"/>
+              <a:t>flights_fullness</a:t>
+            </a:r>
+            <a:r>
+              <a:rPr lang="ru-RU" dirty="0"/>
+              <a:t> – анализ рейсов на заполняемость</a:t>
+            </a:r>
+            <a:r>
+              <a:rPr lang="en-US" dirty="0"/>
+              <a:t> </a:t>
+            </a:r>
+            <a:r>
+              <a:rPr lang="ru-RU" dirty="0"/>
+              <a:t>по купленным билетам и</a:t>
+            </a:r>
+            <a:br>
+              <a:rPr lang="en-US" dirty="0"/>
+            </a:br>
+            <a:r>
+              <a:rPr lang="en-US" dirty="0" err="1"/>
+              <a:t>flights_real_fullness</a:t>
+            </a:r>
+            <a:r>
+              <a:rPr lang="ru-RU" dirty="0"/>
+              <a:t> - анализ рейсов на заполняемость</a:t>
+            </a:r>
+            <a:r>
+              <a:rPr lang="en-US" dirty="0"/>
+              <a:t> </a:t>
+            </a:r>
+            <a:r>
+              <a:rPr lang="ru-RU" dirty="0"/>
+              <a:t>по уже зарегистрированным пассажирам по таблицам </a:t>
+            </a:r>
+            <a:r>
+              <a:rPr lang="en-US" dirty="0" err="1"/>
+              <a:t>ticket_flights</a:t>
+            </a:r>
+            <a:r>
+              <a:rPr lang="ru-RU" dirty="0"/>
+              <a:t> и </a:t>
+            </a:r>
+            <a:r>
+              <a:rPr lang="en-US" dirty="0" err="1"/>
+              <a:t>boarding_passes</a:t>
+            </a:r>
+            <a:r>
+              <a:rPr lang="en-US" dirty="0"/>
+              <a:t> </a:t>
+            </a:r>
+            <a:r>
+              <a:rPr lang="ru-RU" dirty="0"/>
+              <a:t>с фильтром по уже известным рейсам из </a:t>
+            </a:r>
+            <a:r>
+              <a:rPr lang="en-US" dirty="0" err="1"/>
+              <a:t>flights_interested</a:t>
+            </a:r>
+            <a:r>
+              <a:rPr lang="en-US" dirty="0"/>
+              <a:t>.</a:t>
+            </a:r>
+          </a:p>
+          <a:p>
+            <a:pPr marL="342900" indent="-342900" defTabSz="457200">
+              <a:buAutoNum type="arabicPeriod"/>
+              <a:defRPr sz="1600">
+                <a:latin typeface="Helvetica Neue Thin"/>
+                <a:ea typeface="Helvetica Neue Thin"/>
+                <a:cs typeface="Helvetica Neue Thin"/>
+                <a:sym typeface="Helvetica Neue Thin"/>
+              </a:defRPr>
+            </a:pPr>
+            <a:endParaRPr lang="en-US" dirty="0"/>
+          </a:p>
+          <a:p>
+            <a:pPr marL="342900" indent="-342900" defTabSz="457200">
+              <a:buAutoNum type="arabicPeriod"/>
+              <a:defRPr sz="1600">
+                <a:latin typeface="Helvetica Neue Thin"/>
+                <a:ea typeface="Helvetica Neue Thin"/>
+                <a:cs typeface="Helvetica Neue Thin"/>
+                <a:sym typeface="Helvetica Neue Thin"/>
+              </a:defRPr>
+            </a:pPr>
+            <a:r>
+              <a:rPr lang="ru-RU" dirty="0"/>
+              <a:t>соединение этого по каждому рейсу с данными по самолету на котором он осуществлялся</a:t>
+            </a:r>
+            <a:r>
+              <a:rPr lang="en-US" dirty="0"/>
+              <a:t>, </a:t>
+            </a:r>
+            <a:r>
+              <a:rPr lang="ru-RU" dirty="0"/>
+              <a:t>а также с данными по заполняемости. Нужно отметить, что не по всем рейсам были данные в заполняемости, поэтому в случае отсутствия проставлялись 0.</a:t>
+            </a:r>
+          </a:p>
+          <a:p>
+            <a:pPr marL="342900" indent="-342900">
+              <a:buFont typeface="+mj-lt"/>
+              <a:buAutoNum type="arabicPeriod"/>
+              <a:defRPr sz="1600">
+                <a:latin typeface="Helvetica Neue Thin"/>
+                <a:ea typeface="Helvetica Neue Thin"/>
+                <a:cs typeface="Helvetica Neue Thin"/>
+                <a:sym typeface="Helvetica Neue Thin"/>
+              </a:defRPr>
+            </a:pPr>
             <a:endParaRPr lang="ru-RU" dirty="0"/>
           </a:p>
           <a:p>
@@ -4109,221 +4406,7 @@
                 <a:sym typeface="Helvetica Neue Thin"/>
               </a:defRPr>
             </a:pPr>
-            <a:r>
-              <a:rPr lang="ru-RU" dirty="0"/>
-              <a:t>      </a:t>
-            </a:r>
-            <a:r>
-              <a:rPr lang="en-US" dirty="0"/>
-              <a:t>"capacity”</a:t>
-            </a:r>
-            <a:r>
-              <a:rPr lang="ru-RU" dirty="0"/>
-              <a:t> – вместимость самолета</a:t>
-            </a:r>
-            <a:r>
-              <a:rPr lang="en-US" dirty="0"/>
-              <a:t>,</a:t>
-            </a:r>
             <a:endParaRPr lang="ru-RU" dirty="0"/>
-          </a:p>
-          <a:p>
-            <a:pPr>
-              <a:defRPr sz="1600">
-                <a:latin typeface="Helvetica Neue Thin"/>
-                <a:ea typeface="Helvetica Neue Thin"/>
-                <a:cs typeface="Helvetica Neue Thin"/>
-                <a:sym typeface="Helvetica Neue Thin"/>
-              </a:defRPr>
-            </a:pPr>
-            <a:r>
-              <a:rPr lang="ru-RU" dirty="0"/>
-              <a:t>      </a:t>
-            </a:r>
-            <a:r>
-              <a:rPr lang="en-US" dirty="0"/>
-              <a:t>"</a:t>
-            </a:r>
-            <a:r>
-              <a:rPr lang="en-US" dirty="0" err="1"/>
-              <a:t>fullness_percentage</a:t>
-            </a:r>
-            <a:r>
-              <a:rPr lang="en-US" dirty="0"/>
-              <a:t>"</a:t>
-            </a:r>
-            <a:r>
-              <a:rPr lang="ru-RU" dirty="0"/>
-              <a:t> – процент заполнения (оценка популярности рейса)</a:t>
-            </a:r>
-            <a:r>
-              <a:rPr lang="en-US" dirty="0"/>
-              <a:t>;</a:t>
-            </a:r>
-            <a:endParaRPr lang="ru-RU" dirty="0"/>
-          </a:p>
-          <a:p>
-            <a:pPr>
-              <a:defRPr sz="1600">
-                <a:latin typeface="Helvetica Neue Thin"/>
-                <a:ea typeface="Helvetica Neue Thin"/>
-                <a:cs typeface="Helvetica Neue Thin"/>
-                <a:sym typeface="Helvetica Neue Thin"/>
-              </a:defRPr>
-            </a:pPr>
-            <a:endParaRPr lang="ru-RU" dirty="0"/>
-          </a:p>
-          <a:p>
-            <a:pPr>
-              <a:defRPr sz="1600">
-                <a:latin typeface="Helvetica Neue Thin"/>
-                <a:ea typeface="Helvetica Neue Thin"/>
-                <a:cs typeface="Helvetica Neue Thin"/>
-                <a:sym typeface="Helvetica Neue Thin"/>
-              </a:defRPr>
-            </a:pPr>
-            <a:r>
-              <a:rPr lang="en-US" dirty="0"/>
-              <a:t>3.    </a:t>
-            </a:r>
-            <a:r>
-              <a:rPr lang="ru-RU" sz="1600" dirty="0">
-                <a:latin typeface="Helvetica Neue Thin"/>
-              </a:rPr>
-              <a:t>Временные параметры </a:t>
-            </a:r>
-            <a:r>
-              <a:rPr lang="en-US" sz="1600" dirty="0">
-                <a:latin typeface="Helvetica Neue Thin"/>
-              </a:rPr>
-              <a:t>"</a:t>
-            </a:r>
-            <a:r>
-              <a:rPr lang="en-US" sz="1600" dirty="0" err="1">
-                <a:latin typeface="Helvetica Neue Thin"/>
-              </a:rPr>
-              <a:t>scheduled_duration</a:t>
-            </a:r>
-            <a:r>
-              <a:rPr lang="en-US" sz="1600" dirty="0">
-                <a:latin typeface="Helvetica Neue Thin"/>
-              </a:rPr>
-              <a:t>",</a:t>
-            </a:r>
-            <a:r>
-              <a:rPr lang="ru-RU" sz="1600" dirty="0">
-                <a:latin typeface="Helvetica Neue Thin"/>
-              </a:rPr>
-              <a:t> </a:t>
-            </a:r>
-            <a:r>
-              <a:rPr lang="en-US" sz="1600" dirty="0">
-                <a:latin typeface="Helvetica Neue Thin"/>
-              </a:rPr>
-              <a:t>"</a:t>
-            </a:r>
-            <a:r>
-              <a:rPr lang="en-US" sz="1600" dirty="0" err="1">
-                <a:latin typeface="Helvetica Neue Thin"/>
-              </a:rPr>
-              <a:t>actual_duration</a:t>
-            </a:r>
-            <a:r>
-              <a:rPr lang="en-US" sz="1600" dirty="0">
-                <a:latin typeface="Helvetica Neue Thin"/>
-              </a:rPr>
-              <a:t>",</a:t>
-            </a:r>
-            <a:r>
-              <a:rPr lang="ru-RU" sz="1600" dirty="0">
-                <a:latin typeface="Helvetica Neue Thin"/>
-              </a:rPr>
-              <a:t> </a:t>
-            </a:r>
-            <a:r>
-              <a:rPr lang="en-US" sz="1600" dirty="0">
-                <a:latin typeface="Helvetica Neue Thin"/>
-              </a:rPr>
-              <a:t>"</a:t>
-            </a:r>
-            <a:r>
-              <a:rPr lang="en-US" sz="1600" dirty="0" err="1">
-                <a:latin typeface="Helvetica Neue Thin"/>
-              </a:rPr>
-              <a:t>duration_delta</a:t>
-            </a:r>
-            <a:r>
-              <a:rPr lang="en-US" sz="1600" dirty="0">
-                <a:latin typeface="Helvetica Neue Thin"/>
-              </a:rPr>
-              <a:t>",</a:t>
-            </a:r>
-            <a:r>
-              <a:rPr lang="ru-RU" sz="1600" dirty="0">
-                <a:latin typeface="Helvetica Neue Thin"/>
-              </a:rPr>
-              <a:t> </a:t>
-            </a:r>
-            <a:r>
-              <a:rPr lang="en-US" sz="1600" dirty="0">
-                <a:latin typeface="Helvetica Neue Thin"/>
-              </a:rPr>
-              <a:t>"</a:t>
-            </a:r>
-            <a:r>
-              <a:rPr lang="en-US" sz="1600" dirty="0" err="1">
-                <a:latin typeface="Helvetica Neue Thin"/>
-              </a:rPr>
-              <a:t>arrival_delta</a:t>
-            </a:r>
-            <a:r>
-              <a:rPr lang="en-US" sz="1600" dirty="0">
-                <a:latin typeface="Helvetica Neue Thin"/>
-              </a:rPr>
-              <a:t>",</a:t>
-            </a:r>
-            <a:r>
-              <a:rPr lang="ru-RU" sz="1600" dirty="0">
-                <a:latin typeface="Helvetica Neue Thin"/>
-              </a:rPr>
-              <a:t>            </a:t>
-            </a:r>
-            <a:r>
-              <a:rPr lang="en-US" sz="1600" dirty="0">
-                <a:latin typeface="Helvetica Neue Thin"/>
-              </a:rPr>
-              <a:t>"</a:t>
-            </a:r>
-            <a:r>
-              <a:rPr lang="en-US" sz="1600" dirty="0" err="1">
-                <a:latin typeface="Helvetica Neue Thin"/>
-              </a:rPr>
-              <a:t>departure_delta</a:t>
-            </a:r>
-            <a:r>
-              <a:rPr lang="en-US" sz="1600" dirty="0">
-                <a:latin typeface="Helvetica Neue Thin"/>
-              </a:rPr>
-              <a:t>“ </a:t>
-            </a:r>
-            <a:r>
-              <a:rPr lang="ru-RU" sz="1600" dirty="0">
-                <a:latin typeface="Helvetica Neue Thin"/>
-              </a:rPr>
-              <a:t>(плановая продолжительность</a:t>
-            </a:r>
-            <a:r>
-              <a:rPr lang="en-US" sz="1600" dirty="0">
-                <a:latin typeface="Helvetica Neue Thin"/>
-              </a:rPr>
-              <a:t>, </a:t>
-            </a:r>
-            <a:r>
-              <a:rPr lang="ru-RU" sz="1600" dirty="0">
-                <a:latin typeface="Helvetica Neue Thin"/>
-              </a:rPr>
-              <a:t>актуальная продолжительность, их разница, разница между плановыми и фактическими отправлениями и приземлениями) – важно для возможности в будущем оценивать топливо и аэропортовые сборы: регулярные задержки в воздухе или аэропорту означают, вероятно, большие траты.</a:t>
-            </a:r>
           </a:p>
         </p:txBody>
       </p:sp>
@@ -4361,8 +4444,8 @@
         </p:nvSpPr>
         <p:spPr>
           <a:xfrm>
-            <a:off x="3359805" y="452578"/>
-            <a:ext cx="5457300" cy="400110"/>
+            <a:off x="878186" y="323335"/>
+            <a:ext cx="10420540" cy="954107"/>
           </a:xfrm>
           <a:prstGeom prst="rect">
             <a:avLst/>
@@ -4372,7 +4455,7 @@
           </a:ln>
           <a:extLst>
             <a:ext uri="{C572A759-6A51-4108-AA02-DFA0A04FC94B}">
-              <ma14:wrappingTextBoxFlag xmlns:ma14="http://schemas.microsoft.com/office/mac/drawingml/2011/main" xmlns:a14="http://schemas.microsoft.com/office/drawing/2010/main" xmlns:m="http://schemas.openxmlformats.org/officeDocument/2006/math" xmlns="" val="1"/>
+              <ma14:wrappingTextBoxFlag xmlns="" xmlns:m="http://schemas.openxmlformats.org/officeDocument/2006/math" xmlns:a14="http://schemas.microsoft.com/office/drawing/2010/main" xmlns:ma14="http://schemas.microsoft.com/office/mac/drawingml/2011/main" val="1"/>
             </a:ext>
           </a:extLst>
         </p:spPr>
@@ -4391,24 +4474,25 @@
               </a:defRPr>
             </a:pPr>
             <a:r>
-              <a:rPr lang="ru-RU" sz="2000" dirty="0">
-                <a:sym typeface="Helvetica Neue Thin"/>
-              </a:rPr>
-              <a:t>Данные, которые можно добавить в</a:t>
-            </a:r>
-            <a:r>
-              <a:rPr lang="en-US" sz="2000" dirty="0">
-                <a:sym typeface="Helvetica Neue Thin"/>
-              </a:rPr>
-              <a:t> </a:t>
-            </a:r>
-            <a:r>
-              <a:rPr lang="ru-RU" sz="2000" dirty="0">
-                <a:sym typeface="Helvetica Neue Thin"/>
-              </a:rPr>
-              <a:t>таблицу</a:t>
-            </a:r>
-            <a:endParaRPr lang="ru-RU" sz="2000" dirty="0"/>
+              <a:rPr lang="ru-RU" sz="2000" dirty="0"/>
+              <a:t>Написание запроса для извлечения из базы максимума данных по всем зимним рейсам из Анапы 2017-го года и выгрузка данных в формате *.</a:t>
+            </a:r>
+            <a:r>
+              <a:rPr lang="ru-RU" sz="2000" dirty="0" err="1"/>
+              <a:t>csv</a:t>
+            </a:r>
+            <a:endParaRPr sz="2000" dirty="0"/>
+          </a:p>
+          <a:p>
+            <a:pPr defTabSz="457200">
+              <a:defRPr sz="1600">
+                <a:latin typeface="Helvetica Neue Thin"/>
+                <a:ea typeface="Helvetica Neue Thin"/>
+                <a:cs typeface="Helvetica Neue Thin"/>
+                <a:sym typeface="Helvetica Neue Thin"/>
+              </a:defRPr>
+            </a:pPr>
+            <a:endParaRPr dirty="0"/>
           </a:p>
         </p:txBody>
       </p:sp>
@@ -4443,10 +4527,10 @@
       </p:sp>
       <p:sp>
         <p:nvSpPr>
-          <p:cNvPr id="4" name="TextBox 1">
+          <p:cNvPr id="5" name="TextBox 1">
             <a:extLst>
               <a:ext uri="{FF2B5EF4-FFF2-40B4-BE49-F238E27FC236}">
-                <a16:creationId xmlns:a16="http://schemas.microsoft.com/office/drawing/2014/main" id="{5C0A69F8-0D8F-4DBD-B9EE-8E58B2BD8119}"/>
+                <a16:creationId xmlns:a16="http://schemas.microsoft.com/office/drawing/2014/main" id="{FB7F028E-41CD-4B41-8F17-BD299C4DF5B6}"/>
               </a:ext>
             </a:extLst>
           </p:cNvPr>
@@ -4455,8 +4539,8 @@
         </p:nvSpPr>
         <p:spPr>
           <a:xfrm>
-            <a:off x="878185" y="1287500"/>
-            <a:ext cx="10420540" cy="2062103"/>
+            <a:off x="878186" y="1474113"/>
+            <a:ext cx="10420540" cy="4031873"/>
           </a:xfrm>
           <a:prstGeom prst="rect">
             <a:avLst/>
@@ -4466,7 +4550,7 @@
           </a:ln>
           <a:extLst>
             <a:ext uri="{C572A759-6A51-4108-AA02-DFA0A04FC94B}">
-              <ma14:wrappingTextBoxFlag xmlns:ma14="http://schemas.microsoft.com/office/mac/drawingml/2011/main" xmlns:a14="http://schemas.microsoft.com/office/drawing/2010/main" xmlns:m="http://schemas.openxmlformats.org/officeDocument/2006/math" xmlns="" val="1"/>
+              <ma14:wrappingTextBoxFlag xmlns="" xmlns:m="http://schemas.openxmlformats.org/officeDocument/2006/math" xmlns:a14="http://schemas.microsoft.com/office/drawing/2010/main" xmlns:ma14="http://schemas.microsoft.com/office/mac/drawingml/2011/main" val="1"/>
             </a:ext>
           </a:extLst>
         </p:spPr>
@@ -4485,14 +4569,13 @@
               </a:defRPr>
             </a:pPr>
             <a:r>
-              <a:rPr lang="ru-RU" sz="1600" dirty="0">
-                <a:latin typeface="Helvetica Neue Thin"/>
-              </a:rPr>
-              <a:t>Хочется посмотреть больше закономерностей (п.1.2) из имеющихся данных. </a:t>
-            </a:r>
-            <a:endParaRPr lang="en-US" sz="1600" dirty="0">
-              <a:latin typeface="Helvetica Neue Thin"/>
-            </a:endParaRPr>
+              <a:rPr lang="ru-RU" dirty="0" err="1"/>
+              <a:t>Датасет</a:t>
+            </a:r>
+            <a:r>
+              <a:rPr lang="ru-RU" dirty="0"/>
+              <a:t> содержит следующие данные, присутствовавшие в таблицах:</a:t>
+            </a:r>
           </a:p>
           <a:p>
             <a:pPr>
@@ -4503,13 +4586,12 @@
                 <a:sym typeface="Helvetica Neue Thin"/>
               </a:defRPr>
             </a:pPr>
-            <a:endParaRPr lang="en-US" sz="1600" dirty="0">
-              <a:latin typeface="Helvetica Neue Thin"/>
-            </a:endParaRPr>
-          </a:p>
-          <a:p>
-            <a:pPr marL="342900" indent="-342900">
-              <a:buAutoNum type="arabicParenR"/>
+            <a:endParaRPr lang="en-US" dirty="0"/>
+          </a:p>
+          <a:p>
+            <a:pPr marL="285750" indent="-285750">
+              <a:buFont typeface="Arial" panose="020B0604020202020204" pitchFamily="34" charset="0"/>
+              <a:buChar char="•"/>
               <a:defRPr sz="1600">
                 <a:latin typeface="Helvetica Neue Thin"/>
                 <a:ea typeface="Helvetica Neue Thin"/>
@@ -4518,27 +4600,34 @@
               </a:defRPr>
             </a:pPr>
             <a:r>
-              <a:rPr lang="ru-RU" sz="1600" dirty="0">
-                <a:latin typeface="Helvetica Neue Thin"/>
-              </a:rPr>
-              <a:t>Соотношение посадочных и билетов – может можно запланировать </a:t>
-            </a:r>
-            <a:r>
-              <a:rPr lang="ru-RU" sz="1600" dirty="0" err="1">
-                <a:latin typeface="Helvetica Neue Thin"/>
-              </a:rPr>
-              <a:t>овербукинг</a:t>
-            </a:r>
-            <a:r>
-              <a:rPr lang="ru-RU" sz="1600" dirty="0">
-                <a:latin typeface="Helvetica Neue Thin"/>
-              </a:rPr>
-              <a:t> если билетов покупают больше пришедших на рейс</a:t>
-            </a:r>
-          </a:p>
-          <a:p>
-            <a:pPr marL="342900" indent="-342900">
-              <a:buAutoNum type="arabicParenR"/>
+              <a:rPr lang="en-US" dirty="0"/>
+              <a:t>"</a:t>
+            </a:r>
+            <a:r>
+              <a:rPr lang="en-US" dirty="0" err="1"/>
+              <a:t>flight_id</a:t>
+            </a:r>
+            <a:r>
+              <a:rPr lang="en-US" dirty="0"/>
+              <a:t>"</a:t>
+            </a:r>
+            <a:r>
+              <a:rPr lang="ru-RU" dirty="0"/>
+              <a:t> </a:t>
+            </a:r>
+            <a:r>
+              <a:rPr lang="en-US" dirty="0"/>
+              <a:t>- </a:t>
+            </a:r>
+            <a:r>
+              <a:rPr lang="ru-RU" dirty="0"/>
+              <a:t>формальный ключ таблицы;</a:t>
+            </a:r>
+          </a:p>
+          <a:p>
+            <a:pPr marL="285750" indent="-285750">
+              <a:buFont typeface="Arial" panose="020B0604020202020204" pitchFamily="34" charset="0"/>
+              <a:buChar char="•"/>
               <a:defRPr sz="1600">
                 <a:latin typeface="Helvetica Neue Thin"/>
                 <a:ea typeface="Helvetica Neue Thin"/>
@@ -4546,13 +4635,12 @@
                 <a:sym typeface="Helvetica Neue Thin"/>
               </a:defRPr>
             </a:pPr>
-            <a:endParaRPr lang="ru-RU" sz="1600" dirty="0">
-              <a:latin typeface="Helvetica Neue Thin"/>
-            </a:endParaRPr>
-          </a:p>
-          <a:p>
-            <a:pPr marL="342900" indent="-342900">
-              <a:buAutoNum type="arabicParenR"/>
+            <a:endParaRPr lang="ru-RU" dirty="0"/>
+          </a:p>
+          <a:p>
+            <a:pPr marL="285750" indent="-285750">
+              <a:buFont typeface="Arial" panose="020B0604020202020204" pitchFamily="34" charset="0"/>
+              <a:buChar char="•"/>
               <a:defRPr sz="1600">
                 <a:latin typeface="Helvetica Neue Thin"/>
                 <a:ea typeface="Helvetica Neue Thin"/>
@@ -4561,50 +4649,31 @@
               </a:defRPr>
             </a:pPr>
             <a:r>
-              <a:rPr lang="ru-RU" sz="1600" dirty="0">
-                <a:latin typeface="Helvetica Neue Thin"/>
-              </a:rPr>
-              <a:t>Разбивка рейсов по классам купленных билетов, а также по количеству возможных билетов каждого класса – может на каких-то рейсах можно получать дополнительную прибыль продавая больше дорогих мест, а их нету</a:t>
-            </a:r>
-          </a:p>
-        </p:txBody>
-      </p:sp>
-      <p:sp>
-        <p:nvSpPr>
-          <p:cNvPr id="5" name="TextBox 1">
-            <a:extLst>
-              <a:ext uri="{FF2B5EF4-FFF2-40B4-BE49-F238E27FC236}">
-                <a16:creationId xmlns:a16="http://schemas.microsoft.com/office/drawing/2014/main" id="{1934E70F-E6AA-4240-957B-3299E3CE88CB}"/>
-              </a:ext>
-            </a:extLst>
-          </p:cNvPr>
-          <p:cNvSpPr txBox="1"/>
-          <p:nvPr/>
-        </p:nvSpPr>
-        <p:spPr>
-          <a:xfrm>
-            <a:off x="878186" y="3688577"/>
-            <a:ext cx="10420540" cy="2062103"/>
-          </a:xfrm>
-          <a:prstGeom prst="rect">
-            <a:avLst/>
-          </a:prstGeom>
-          <a:ln w="12700">
-            <a:miter lim="400000"/>
-          </a:ln>
-          <a:extLst>
-            <a:ext uri="{C572A759-6A51-4108-AA02-DFA0A04FC94B}">
-              <ma14:wrappingTextBoxFlag xmlns:ma14="http://schemas.microsoft.com/office/mac/drawingml/2011/main" xmlns:a14="http://schemas.microsoft.com/office/drawing/2010/main" xmlns:m="http://schemas.openxmlformats.org/officeDocument/2006/math" xmlns="" val="1"/>
-            </a:ext>
-          </a:extLst>
-        </p:spPr>
-        <p:txBody>
-          <a:bodyPr wrap="square" lIns="45719" rIns="45719">
-            <a:spAutoFit/>
-          </a:bodyPr>
-          <a:lstStyle/>
-          <a:p>
-            <a:pPr>
+              <a:rPr lang="en-US" dirty="0"/>
+              <a:t>"</a:t>
+            </a:r>
+            <a:r>
+              <a:rPr lang="en-US" dirty="0" err="1"/>
+              <a:t>flight_no</a:t>
+            </a:r>
+            <a:r>
+              <a:rPr lang="en-US" dirty="0"/>
+              <a:t>” –</a:t>
+            </a:r>
+            <a:r>
+              <a:rPr lang="ru-RU" dirty="0"/>
+              <a:t>номер рейса</a:t>
+            </a:r>
+            <a:r>
+              <a:rPr lang="en-US" dirty="0"/>
+              <a:t>;</a:t>
+            </a:r>
+            <a:endParaRPr lang="ru-RU" dirty="0"/>
+          </a:p>
+          <a:p>
+            <a:pPr marL="285750" indent="-285750">
+              <a:buFont typeface="Arial" panose="020B0604020202020204" pitchFamily="34" charset="0"/>
+              <a:buChar char="•"/>
               <a:defRPr sz="1600">
                 <a:latin typeface="Helvetica Neue Thin"/>
                 <a:ea typeface="Helvetica Neue Thin"/>
@@ -4612,18 +4681,12 @@
                 <a:sym typeface="Helvetica Neue Thin"/>
               </a:defRPr>
             </a:pPr>
-            <a:r>
-              <a:rPr lang="ru-RU" sz="1600" dirty="0">
-                <a:latin typeface="Helvetica Neue Thin"/>
-              </a:rPr>
-              <a:t>Хочется получить больше внешних данных. </a:t>
-            </a:r>
-            <a:endParaRPr lang="en-US" sz="1600" dirty="0">
-              <a:latin typeface="Helvetica Neue Thin"/>
-            </a:endParaRPr>
-          </a:p>
-          <a:p>
-            <a:pPr>
+            <a:endParaRPr lang="en-US" dirty="0"/>
+          </a:p>
+          <a:p>
+            <a:pPr marL="285750" indent="-285750">
+              <a:buFont typeface="Arial" panose="020B0604020202020204" pitchFamily="34" charset="0"/>
+              <a:buChar char="•"/>
               <a:defRPr sz="1600">
                 <a:latin typeface="Helvetica Neue Thin"/>
                 <a:ea typeface="Helvetica Neue Thin"/>
@@ -4631,13 +4694,40 @@
                 <a:sym typeface="Helvetica Neue Thin"/>
               </a:defRPr>
             </a:pPr>
-            <a:endParaRPr lang="en-US" sz="1600" dirty="0">
-              <a:latin typeface="Helvetica Neue Thin"/>
-            </a:endParaRPr>
-          </a:p>
-          <a:p>
-            <a:pPr marL="342900" indent="-342900">
-              <a:buAutoNum type="arabicParenR"/>
+            <a:r>
+              <a:rPr lang="en-US" dirty="0"/>
+              <a:t>"scheduled_departure","</a:t>
+            </a:r>
+            <a:r>
+              <a:rPr lang="en-US" dirty="0" err="1"/>
+              <a:t>scheduled_arrival</a:t>
+            </a:r>
+            <a:r>
+              <a:rPr lang="en-US" dirty="0"/>
+              <a:t>“</a:t>
+            </a:r>
+            <a:r>
+              <a:rPr lang="ru-RU" dirty="0"/>
+              <a:t> </a:t>
+            </a:r>
+            <a:r>
+              <a:rPr lang="en-US" dirty="0"/>
+              <a:t>– </a:t>
+            </a:r>
+            <a:r>
+              <a:rPr lang="ru-RU" dirty="0"/>
+              <a:t>планируемые временные параметры рейса</a:t>
+            </a:r>
+            <a:r>
+              <a:rPr lang="en-US" dirty="0"/>
+              <a:t>;</a:t>
+            </a:r>
+            <a:endParaRPr lang="ru-RU" dirty="0"/>
+          </a:p>
+          <a:p>
+            <a:pPr marL="285750" indent="-285750">
+              <a:buFont typeface="Arial" panose="020B0604020202020204" pitchFamily="34" charset="0"/>
+              <a:buChar char="•"/>
               <a:defRPr sz="1600">
                 <a:latin typeface="Helvetica Neue Thin"/>
                 <a:ea typeface="Helvetica Neue Thin"/>
@@ -4645,29 +4735,12 @@
                 <a:sym typeface="Helvetica Neue Thin"/>
               </a:defRPr>
             </a:pPr>
-            <a:r>
-              <a:rPr lang="ru-RU" sz="1600" dirty="0">
-                <a:latin typeface="Helvetica Neue Thin"/>
-              </a:rPr>
-              <a:t>Расходы топлива на самолет (</a:t>
-            </a:r>
-            <a:r>
-              <a:rPr lang="ru-RU" sz="1600" dirty="0">
-                <a:latin typeface="Helvetica Neue Thin"/>
-                <a:hlinkClick r:id="rId3"/>
-              </a:rPr>
-              <a:t>https://www.airlines-inform.ru/</a:t>
-            </a:r>
-            <a:r>
-              <a:rPr lang="ru-RU" sz="1600" dirty="0">
-                <a:latin typeface="Helvetica Neue Thin"/>
-              </a:rPr>
-              <a:t> http://newsruss.ru/doc/index.php/Расход_топлива_у_самолётов)</a:t>
-            </a:r>
-          </a:p>
-          <a:p>
-            <a:pPr marL="342900" indent="-342900">
-              <a:buAutoNum type="arabicParenR"/>
+            <a:endParaRPr lang="en-US" dirty="0"/>
+          </a:p>
+          <a:p>
+            <a:pPr marL="285750" indent="-285750">
+              <a:buFont typeface="Arial" panose="020B0604020202020204" pitchFamily="34" charset="0"/>
+              <a:buChar char="•"/>
               <a:defRPr sz="1600">
                 <a:latin typeface="Helvetica Neue Thin"/>
                 <a:ea typeface="Helvetica Neue Thin"/>
@@ -4675,13 +4748,40 @@
                 <a:sym typeface="Helvetica Neue Thin"/>
               </a:defRPr>
             </a:pPr>
-            <a:endParaRPr lang="ru-RU" sz="1600" dirty="0">
-              <a:latin typeface="Helvetica Neue Thin"/>
-            </a:endParaRPr>
-          </a:p>
-          <a:p>
-            <a:pPr marL="342900" indent="-342900">
-              <a:buAutoNum type="arabicParenR"/>
+            <a:r>
+              <a:rPr lang="en-US" dirty="0"/>
+              <a:t>"actual_departure","</a:t>
+            </a:r>
+            <a:r>
+              <a:rPr lang="en-US" dirty="0" err="1"/>
+              <a:t>actual_arrival</a:t>
+            </a:r>
+            <a:r>
+              <a:rPr lang="en-US" dirty="0"/>
+              <a:t>“</a:t>
+            </a:r>
+            <a:r>
+              <a:rPr lang="ru-RU" dirty="0"/>
+              <a:t> </a:t>
+            </a:r>
+            <a:r>
+              <a:rPr lang="en-US" dirty="0"/>
+              <a:t>– </a:t>
+            </a:r>
+            <a:r>
+              <a:rPr lang="ru-RU" dirty="0"/>
+              <a:t> фактические временные параметры рейса</a:t>
+            </a:r>
+            <a:r>
+              <a:rPr lang="en-US" dirty="0"/>
+              <a:t>;</a:t>
+            </a:r>
+            <a:endParaRPr lang="ru-RU" dirty="0"/>
+          </a:p>
+          <a:p>
+            <a:pPr marL="285750" indent="-285750">
+              <a:buFont typeface="Arial" panose="020B0604020202020204" pitchFamily="34" charset="0"/>
+              <a:buChar char="•"/>
               <a:defRPr sz="1600">
                 <a:latin typeface="Helvetica Neue Thin"/>
                 <a:ea typeface="Helvetica Neue Thin"/>
@@ -4689,16 +4789,12 @@
                 <a:sym typeface="Helvetica Neue Thin"/>
               </a:defRPr>
             </a:pPr>
-            <a:r>
-              <a:rPr lang="ru-RU" sz="1600" dirty="0">
-                <a:latin typeface="Helvetica Neue Thin"/>
-              </a:rPr>
-              <a:t>Аэропортовые сборы и отчего они зависят</a:t>
-            </a:r>
-          </a:p>
-          <a:p>
-            <a:pPr marL="342900" indent="-342900">
-              <a:buAutoNum type="arabicParenR"/>
+            <a:endParaRPr lang="en-US" dirty="0"/>
+          </a:p>
+          <a:p>
+            <a:pPr marL="285750" indent="-285750">
+              <a:buFont typeface="Arial" panose="020B0604020202020204" pitchFamily="34" charset="0"/>
+              <a:buChar char="•"/>
               <a:defRPr sz="1600">
                 <a:latin typeface="Helvetica Neue Thin"/>
                 <a:ea typeface="Helvetica Neue Thin"/>
@@ -4706,13 +4802,56 @@
                 <a:sym typeface="Helvetica Neue Thin"/>
               </a:defRPr>
             </a:pPr>
-            <a:endParaRPr lang="ru-RU" sz="1600" dirty="0">
-              <a:latin typeface="Helvetica Neue Thin"/>
-            </a:endParaRPr>
-          </a:p>
-          <a:p>
-            <a:pPr marL="342900" indent="-342900">
-              <a:buAutoNum type="arabicParenR"/>
+            <a:r>
+              <a:rPr lang="en-US" dirty="0"/>
+              <a:t>"departure_city","</a:t>
+            </a:r>
+            <a:r>
+              <a:rPr lang="en-US" dirty="0" err="1"/>
+              <a:t>arrival_city</a:t>
+            </a:r>
+            <a:r>
+              <a:rPr lang="en-US" dirty="0"/>
+              <a:t>", "departure_airport","</a:t>
+            </a:r>
+            <a:r>
+              <a:rPr lang="en-US" dirty="0" err="1"/>
+              <a:t>arrival_airport</a:t>
+            </a:r>
+            <a:r>
+              <a:rPr lang="en-US" dirty="0"/>
+              <a:t>“</a:t>
+            </a:r>
+            <a:r>
+              <a:rPr lang="ru-RU" dirty="0"/>
+              <a:t> </a:t>
+            </a:r>
+            <a:r>
+              <a:rPr lang="en-US" dirty="0"/>
+              <a:t>– </a:t>
+            </a:r>
+            <a:r>
+              <a:rPr lang="ru-RU" dirty="0"/>
+              <a:t>данные о местах вылета и назначения (т.к. анализируется только Анапа то </a:t>
+            </a:r>
+            <a:r>
+              <a:rPr lang="en-US" dirty="0"/>
+              <a:t>“departure-” </a:t>
+            </a:r>
+            <a:r>
+              <a:rPr lang="ru-RU" dirty="0"/>
+              <a:t>параметры можно опустить)</a:t>
+            </a:r>
+            <a:r>
+              <a:rPr lang="en-US" dirty="0"/>
+              <a:t>;</a:t>
+            </a:r>
+            <a:endParaRPr lang="ru-RU" dirty="0"/>
+          </a:p>
+          <a:p>
+            <a:pPr marL="285750" indent="-285750">
+              <a:buFont typeface="Arial" panose="020B0604020202020204" pitchFamily="34" charset="0"/>
+              <a:buChar char="•"/>
               <a:defRPr sz="1600">
                 <a:latin typeface="Helvetica Neue Thin"/>
                 <a:ea typeface="Helvetica Neue Thin"/>
@@ -4720,11 +4859,76 @@
                 <a:sym typeface="Helvetica Neue Thin"/>
               </a:defRPr>
             </a:pPr>
-            <a:r>
-              <a:rPr lang="ru-RU" sz="1600" dirty="0">
-                <a:latin typeface="Helvetica Neue Thin"/>
-              </a:rPr>
-              <a:t>Количество персонала и как зависит их зарплата от длительности рейсов</a:t>
+            <a:endParaRPr lang="en-US" dirty="0"/>
+          </a:p>
+          <a:p>
+            <a:pPr marL="285750" indent="-285750">
+              <a:buFont typeface="Arial" panose="020B0604020202020204" pitchFamily="34" charset="0"/>
+              <a:buChar char="•"/>
+              <a:defRPr sz="1600">
+                <a:latin typeface="Helvetica Neue Thin"/>
+                <a:ea typeface="Helvetica Neue Thin"/>
+                <a:cs typeface="Helvetica Neue Thin"/>
+                <a:sym typeface="Helvetica Neue Thin"/>
+              </a:defRPr>
+            </a:pPr>
+            <a:r>
+              <a:rPr lang="en-US" dirty="0"/>
+              <a:t>"status“– </a:t>
+            </a:r>
+            <a:r>
+              <a:rPr lang="ru-RU" dirty="0"/>
+              <a:t>статус рейса</a:t>
+            </a:r>
+            <a:r>
+              <a:rPr lang="en-US" dirty="0"/>
+              <a:t>;</a:t>
+            </a:r>
+            <a:endParaRPr lang="ru-RU" dirty="0"/>
+          </a:p>
+          <a:p>
+            <a:pPr marL="285750" indent="-285750">
+              <a:buFont typeface="Arial" panose="020B0604020202020204" pitchFamily="34" charset="0"/>
+              <a:buChar char="•"/>
+              <a:defRPr sz="1600">
+                <a:latin typeface="Helvetica Neue Thin"/>
+                <a:ea typeface="Helvetica Neue Thin"/>
+                <a:cs typeface="Helvetica Neue Thin"/>
+                <a:sym typeface="Helvetica Neue Thin"/>
+              </a:defRPr>
+            </a:pPr>
+            <a:endParaRPr lang="en-US" dirty="0"/>
+          </a:p>
+          <a:p>
+            <a:pPr marL="285750" indent="-285750">
+              <a:buFont typeface="Arial" panose="020B0604020202020204" pitchFamily="34" charset="0"/>
+              <a:buChar char="•"/>
+              <a:defRPr sz="1600">
+                <a:latin typeface="Helvetica Neue Thin"/>
+                <a:ea typeface="Helvetica Neue Thin"/>
+                <a:cs typeface="Helvetica Neue Thin"/>
+                <a:sym typeface="Helvetica Neue Thin"/>
+              </a:defRPr>
+            </a:pPr>
+            <a:r>
+              <a:rPr lang="en-US" dirty="0"/>
+              <a:t>"</a:t>
+            </a:r>
+            <a:r>
+              <a:rPr lang="en-US" dirty="0" err="1"/>
+              <a:t>aircraft_code</a:t>
+            </a:r>
+            <a:r>
+              <a:rPr lang="en-US" dirty="0"/>
+              <a:t>", "model“ – </a:t>
+            </a:r>
+            <a:r>
+              <a:rPr lang="ru-RU" dirty="0"/>
+              <a:t>данные о самолете рейса</a:t>
+            </a:r>
+            <a:r>
+              <a:rPr lang="en-US" dirty="0"/>
+              <a:t>.</a:t>
             </a:r>
           </a:p>
         </p:txBody>
@@ -4732,7 +4936,7 @@
     </p:spTree>
     <p:extLst>
       <p:ext uri="{BB962C8B-B14F-4D97-AF65-F5344CB8AC3E}">
-        <p14:creationId xmlns:p14="http://schemas.microsoft.com/office/powerpoint/2010/main" val="2855592382"/>
+        <p14:creationId xmlns:p14="http://schemas.microsoft.com/office/powerpoint/2010/main" val="2061744856"/>
       </p:ext>
     </p:extLst>
   </p:cSld>
@@ -4768,6 +4972,991 @@
         </p:nvSpPr>
         <p:spPr>
           <a:xfrm>
+            <a:off x="2594695" y="200054"/>
+            <a:ext cx="6987520" cy="400110"/>
+          </a:xfrm>
+          <a:prstGeom prst="rect">
+            <a:avLst/>
+          </a:prstGeom>
+          <a:ln w="12700">
+            <a:miter lim="400000"/>
+          </a:ln>
+          <a:extLst>
+            <a:ext uri="{C572A759-6A51-4108-AA02-DFA0A04FC94B}">
+              <ma14:wrappingTextBoxFlag xmlns="" xmlns:m="http://schemas.openxmlformats.org/officeDocument/2006/math" xmlns:a14="http://schemas.microsoft.com/office/drawing/2010/main" xmlns:ma14="http://schemas.microsoft.com/office/mac/drawingml/2011/main" val="1"/>
+            </a:ext>
+          </a:extLst>
+        </p:spPr>
+        <p:txBody>
+          <a:bodyPr wrap="square" lIns="45719" rIns="45719">
+            <a:spAutoFit/>
+          </a:bodyPr>
+          <a:lstStyle/>
+          <a:p>
+            <a:pPr>
+              <a:defRPr sz="1600">
+                <a:latin typeface="Helvetica Neue Thin"/>
+                <a:ea typeface="Helvetica Neue Thin"/>
+                <a:cs typeface="Helvetica Neue Thin"/>
+                <a:sym typeface="Helvetica Neue Thin"/>
+              </a:defRPr>
+            </a:pPr>
+            <a:r>
+              <a:rPr lang="ru-RU" sz="2000" dirty="0"/>
+              <a:t>Описание данных и их отношение к оценке прибыльности</a:t>
+            </a:r>
+            <a:endParaRPr dirty="0"/>
+          </a:p>
+        </p:txBody>
+      </p:sp>
+      <p:sp>
+        <p:nvSpPr>
+          <p:cNvPr id="121" name="Прямая соединительная линия 3"/>
+          <p:cNvSpPr/>
+          <p:nvPr/>
+        </p:nvSpPr>
+        <p:spPr>
+          <a:xfrm>
+            <a:off x="878185" y="667597"/>
+            <a:ext cx="10420541" cy="1"/>
+          </a:xfrm>
+          <a:prstGeom prst="line">
+            <a:avLst/>
+          </a:prstGeom>
+          <a:ln w="6350">
+            <a:solidFill>
+              <a:schemeClr val="accent1"/>
+            </a:solidFill>
+            <a:miter/>
+          </a:ln>
+        </p:spPr>
+        <p:txBody>
+          <a:bodyPr lIns="45719" rIns="45719"/>
+          <a:lstStyle/>
+          <a:p>
+            <a:endParaRPr/>
+          </a:p>
+        </p:txBody>
+      </p:sp>
+      <p:sp>
+        <p:nvSpPr>
+          <p:cNvPr id="4" name="TextBox 1">
+            <a:extLst>
+              <a:ext uri="{FF2B5EF4-FFF2-40B4-BE49-F238E27FC236}">
+                <a16:creationId xmlns:a16="http://schemas.microsoft.com/office/drawing/2014/main" id="{5C0A69F8-0D8F-4DBD-B9EE-8E58B2BD8119}"/>
+              </a:ext>
+            </a:extLst>
+          </p:cNvPr>
+          <p:cNvSpPr txBox="1"/>
+          <p:nvPr/>
+        </p:nvSpPr>
+        <p:spPr>
+          <a:xfrm>
+            <a:off x="878186" y="735031"/>
+            <a:ext cx="10420540" cy="5262979"/>
+          </a:xfrm>
+          <a:prstGeom prst="rect">
+            <a:avLst/>
+          </a:prstGeom>
+          <a:ln w="12700">
+            <a:miter lim="400000"/>
+          </a:ln>
+          <a:extLst>
+            <a:ext uri="{C572A759-6A51-4108-AA02-DFA0A04FC94B}">
+              <ma14:wrappingTextBoxFlag xmlns="" xmlns:m="http://schemas.openxmlformats.org/officeDocument/2006/math" xmlns:a14="http://schemas.microsoft.com/office/drawing/2010/main" xmlns:ma14="http://schemas.microsoft.com/office/mac/drawingml/2011/main" val="1"/>
+            </a:ext>
+          </a:extLst>
+        </p:spPr>
+        <p:txBody>
+          <a:bodyPr wrap="square" lIns="45719" rIns="45719">
+            <a:spAutoFit/>
+          </a:bodyPr>
+          <a:lstStyle/>
+          <a:p>
+            <a:pPr>
+              <a:defRPr sz="1600">
+                <a:latin typeface="Helvetica Neue Thin"/>
+                <a:ea typeface="Helvetica Neue Thin"/>
+                <a:cs typeface="Helvetica Neue Thin"/>
+                <a:sym typeface="Helvetica Neue Thin"/>
+              </a:defRPr>
+            </a:pPr>
+            <a:r>
+              <a:rPr lang="ru-RU" dirty="0"/>
+              <a:t>Добавленные данные:</a:t>
+            </a:r>
+            <a:endParaRPr lang="en-US" dirty="0"/>
+          </a:p>
+          <a:p>
+            <a:pPr>
+              <a:defRPr sz="1600">
+                <a:latin typeface="Helvetica Neue Thin"/>
+                <a:ea typeface="Helvetica Neue Thin"/>
+                <a:cs typeface="Helvetica Neue Thin"/>
+                <a:sym typeface="Helvetica Neue Thin"/>
+              </a:defRPr>
+            </a:pPr>
+            <a:endParaRPr lang="ru-RU" dirty="0"/>
+          </a:p>
+          <a:p>
+            <a:pPr marL="342900" indent="-342900">
+              <a:buAutoNum type="arabicPeriod"/>
+              <a:defRPr sz="1600">
+                <a:latin typeface="Helvetica Neue Thin"/>
+                <a:ea typeface="Helvetica Neue Thin"/>
+                <a:cs typeface="Helvetica Neue Thin"/>
+                <a:sym typeface="Helvetica Neue Thin"/>
+              </a:defRPr>
+            </a:pPr>
+            <a:r>
+              <a:rPr lang="en-US" dirty="0"/>
+              <a:t>"</a:t>
+            </a:r>
+            <a:r>
+              <a:rPr lang="en-US" dirty="0" err="1"/>
+              <a:t>total_flight_amount</a:t>
+            </a:r>
+            <a:r>
+              <a:rPr lang="en-US" dirty="0"/>
+              <a:t>” – </a:t>
+            </a:r>
+            <a:r>
+              <a:rPr lang="ru-RU" dirty="0"/>
+              <a:t>сумма полученная со всех пассажиров (непосредственно влияет на понимание прибыльности)</a:t>
+            </a:r>
+            <a:r>
+              <a:rPr lang="en-US" dirty="0"/>
+              <a:t>;</a:t>
+            </a:r>
+            <a:endParaRPr lang="ru-RU" dirty="0"/>
+          </a:p>
+          <a:p>
+            <a:pPr marL="342900" indent="-342900">
+              <a:buAutoNum type="arabicPeriod"/>
+              <a:defRPr sz="1600">
+                <a:latin typeface="Helvetica Neue Thin"/>
+                <a:ea typeface="Helvetica Neue Thin"/>
+                <a:cs typeface="Helvetica Neue Thin"/>
+                <a:sym typeface="Helvetica Neue Thin"/>
+              </a:defRPr>
+            </a:pPr>
+            <a:endParaRPr lang="ru-RU" dirty="0"/>
+          </a:p>
+          <a:p>
+            <a:pPr marL="342900" indent="-342900">
+              <a:buAutoNum type="arabicPeriod"/>
+              <a:defRPr sz="1600">
+                <a:latin typeface="Helvetica Neue Thin"/>
+                <a:ea typeface="Helvetica Neue Thin"/>
+                <a:cs typeface="Helvetica Neue Thin"/>
+                <a:sym typeface="Helvetica Neue Thin"/>
+              </a:defRPr>
+            </a:pPr>
+            <a:r>
+              <a:rPr lang="ru-RU" dirty="0"/>
+              <a:t>Сразу несколько взаимосвязанных параметра, каждый из которых может влиять на оценку:</a:t>
+            </a:r>
+            <a:br>
+              <a:rPr lang="ru-RU" dirty="0"/>
+            </a:br>
+            <a:r>
+              <a:rPr lang="ru-RU" dirty="0"/>
+              <a:t>--- </a:t>
+            </a:r>
+            <a:r>
+              <a:rPr lang="en-US" dirty="0"/>
+              <a:t>"</a:t>
+            </a:r>
+            <a:r>
+              <a:rPr lang="en-US" dirty="0" err="1"/>
+              <a:t>bought_tickets</a:t>
+            </a:r>
+            <a:r>
+              <a:rPr lang="en-US" dirty="0"/>
+              <a:t>” </a:t>
+            </a:r>
+            <a:r>
+              <a:rPr lang="ru-RU" dirty="0"/>
+              <a:t>и </a:t>
+            </a:r>
+            <a:r>
+              <a:rPr lang="en-US" dirty="0"/>
+              <a:t>”</a:t>
+            </a:r>
+            <a:r>
+              <a:rPr lang="en-US" dirty="0" err="1"/>
+              <a:t>registered_passengers</a:t>
+            </a:r>
+            <a:r>
+              <a:rPr lang="en-US" dirty="0"/>
+              <a:t>”</a:t>
+            </a:r>
+            <a:r>
+              <a:rPr lang="ru-RU" dirty="0"/>
+              <a:t> </a:t>
+            </a:r>
+            <a:r>
+              <a:rPr lang="en-US" dirty="0"/>
+              <a:t>– </a:t>
+            </a:r>
+            <a:r>
+              <a:rPr lang="ru-RU" dirty="0"/>
+              <a:t>количество купленных билетов и количество зарегистрированных на рейс</a:t>
+            </a:r>
+            <a:r>
+              <a:rPr lang="en-US" dirty="0"/>
+              <a:t> </a:t>
+            </a:r>
+            <a:r>
+              <a:rPr lang="ru-RU" dirty="0"/>
+              <a:t>(оценка популярности рейса и/или возможность его расширения путем замены на более вместительный самолет);</a:t>
+            </a:r>
+            <a:r>
+              <a:rPr lang="en-US" dirty="0"/>
+              <a:t> </a:t>
+            </a:r>
+            <a:r>
+              <a:rPr lang="ru-RU" dirty="0"/>
+              <a:t>      </a:t>
+            </a:r>
+            <a:br>
+              <a:rPr lang="en-US" dirty="0"/>
+            </a:br>
+            <a:r>
+              <a:rPr lang="ru-RU" dirty="0"/>
+              <a:t>--- </a:t>
+            </a:r>
+            <a:r>
+              <a:rPr lang="en-US" dirty="0"/>
+              <a:t>"capacity”</a:t>
+            </a:r>
+            <a:r>
+              <a:rPr lang="ru-RU" dirty="0"/>
+              <a:t> – вместимость самолета;</a:t>
+            </a:r>
+            <a:br>
+              <a:rPr lang="en-US" dirty="0"/>
+            </a:br>
+            <a:r>
+              <a:rPr lang="ru-RU" dirty="0"/>
+              <a:t>--- </a:t>
+            </a:r>
+            <a:r>
+              <a:rPr lang="en-US" dirty="0"/>
+              <a:t>"</a:t>
+            </a:r>
+            <a:r>
+              <a:rPr lang="en-US" dirty="0" err="1"/>
+              <a:t>bought_fullness_percentage</a:t>
+            </a:r>
+            <a:r>
+              <a:rPr lang="en-US" dirty="0"/>
+              <a:t>"</a:t>
+            </a:r>
+            <a:r>
+              <a:rPr lang="ru-RU" dirty="0"/>
+              <a:t> и </a:t>
+            </a:r>
+            <a:r>
+              <a:rPr lang="en-US" dirty="0"/>
+              <a:t>"</a:t>
+            </a:r>
+            <a:r>
+              <a:rPr lang="en-US" dirty="0" err="1"/>
+              <a:t>registered_fullness_percentage</a:t>
+            </a:r>
+            <a:r>
+              <a:rPr lang="en-US" dirty="0"/>
+              <a:t>"</a:t>
+            </a:r>
+            <a:r>
+              <a:rPr lang="ru-RU" dirty="0"/>
+              <a:t>– проценты заполнения (оценка популярности рейса) по купленным  билетам и по зарегистрированным</a:t>
+            </a:r>
+            <a:r>
+              <a:rPr lang="en-US" dirty="0"/>
+              <a:t>;</a:t>
+            </a:r>
+            <a:br>
+              <a:rPr lang="ru-RU" dirty="0"/>
+            </a:br>
+            <a:r>
+              <a:rPr lang="ru-RU" dirty="0"/>
+              <a:t>--- </a:t>
+            </a:r>
+            <a:r>
+              <a:rPr lang="en-US" dirty="0"/>
+              <a:t>"registered2bought_fullness_percentage"</a:t>
+            </a:r>
+            <a:r>
+              <a:rPr lang="ru-RU" dirty="0"/>
+              <a:t> – отношение количества купленных к зарегистрированным (возможность узнать насколько можно сократить размеры самолетов при сохранении реальной загруженности).</a:t>
+            </a:r>
+          </a:p>
+          <a:p>
+            <a:pPr marL="342900" indent="-342900">
+              <a:buAutoNum type="arabicPeriod"/>
+              <a:defRPr sz="1600">
+                <a:latin typeface="Helvetica Neue Thin"/>
+                <a:ea typeface="Helvetica Neue Thin"/>
+                <a:cs typeface="Helvetica Neue Thin"/>
+                <a:sym typeface="Helvetica Neue Thin"/>
+              </a:defRPr>
+            </a:pPr>
+            <a:endParaRPr lang="en-US" dirty="0"/>
+          </a:p>
+          <a:p>
+            <a:pPr marL="342900" indent="-342900">
+              <a:buAutoNum type="arabicPeriod"/>
+              <a:defRPr sz="1600">
+                <a:latin typeface="Helvetica Neue Thin"/>
+                <a:ea typeface="Helvetica Neue Thin"/>
+                <a:cs typeface="Helvetica Neue Thin"/>
+                <a:sym typeface="Helvetica Neue Thin"/>
+              </a:defRPr>
+            </a:pPr>
+            <a:r>
+              <a:rPr lang="ru-RU" sz="1600" dirty="0">
+                <a:latin typeface="Helvetica Neue Thin"/>
+              </a:rPr>
+              <a:t>Временные параметры </a:t>
+            </a:r>
+            <a:r>
+              <a:rPr lang="en-US" sz="1600" dirty="0">
+                <a:latin typeface="Helvetica Neue Thin"/>
+              </a:rPr>
+              <a:t>"</a:t>
+            </a:r>
+            <a:r>
+              <a:rPr lang="en-US" sz="1600" dirty="0" err="1">
+                <a:latin typeface="Helvetica Neue Thin"/>
+              </a:rPr>
+              <a:t>scheduled_duration</a:t>
+            </a:r>
+            <a:r>
+              <a:rPr lang="en-US" sz="1600" dirty="0">
+                <a:latin typeface="Helvetica Neue Thin"/>
+              </a:rPr>
+              <a:t>",</a:t>
+            </a:r>
+            <a:r>
+              <a:rPr lang="ru-RU" sz="1600" dirty="0">
+                <a:latin typeface="Helvetica Neue Thin"/>
+              </a:rPr>
+              <a:t> </a:t>
+            </a:r>
+            <a:r>
+              <a:rPr lang="en-US" sz="1600" dirty="0">
+                <a:latin typeface="Helvetica Neue Thin"/>
+              </a:rPr>
+              <a:t>"</a:t>
+            </a:r>
+            <a:r>
+              <a:rPr lang="en-US" sz="1600" dirty="0" err="1">
+                <a:latin typeface="Helvetica Neue Thin"/>
+              </a:rPr>
+              <a:t>actual_duration</a:t>
+            </a:r>
+            <a:r>
+              <a:rPr lang="en-US" sz="1600" dirty="0">
+                <a:latin typeface="Helvetica Neue Thin"/>
+              </a:rPr>
+              <a:t>",</a:t>
+            </a:r>
+            <a:r>
+              <a:rPr lang="ru-RU" sz="1600" dirty="0">
+                <a:latin typeface="Helvetica Neue Thin"/>
+              </a:rPr>
+              <a:t> </a:t>
+            </a:r>
+            <a:r>
+              <a:rPr lang="en-US" sz="1600" dirty="0">
+                <a:latin typeface="Helvetica Neue Thin"/>
+              </a:rPr>
+              <a:t>"</a:t>
+            </a:r>
+            <a:r>
+              <a:rPr lang="en-US" sz="1600" dirty="0" err="1">
+                <a:latin typeface="Helvetica Neue Thin"/>
+              </a:rPr>
+              <a:t>duration_delta</a:t>
+            </a:r>
+            <a:r>
+              <a:rPr lang="en-US" sz="1600" dirty="0">
+                <a:latin typeface="Helvetica Neue Thin"/>
+              </a:rPr>
+              <a:t>",</a:t>
+            </a:r>
+            <a:r>
+              <a:rPr lang="ru-RU" sz="1600" dirty="0">
+                <a:latin typeface="Helvetica Neue Thin"/>
+              </a:rPr>
+              <a:t> </a:t>
+            </a:r>
+            <a:r>
+              <a:rPr lang="en-US" sz="1600" dirty="0">
+                <a:latin typeface="Helvetica Neue Thin"/>
+              </a:rPr>
+              <a:t>"</a:t>
+            </a:r>
+            <a:r>
+              <a:rPr lang="en-US" sz="1600" dirty="0" err="1">
+                <a:latin typeface="Helvetica Neue Thin"/>
+              </a:rPr>
+              <a:t>arrival_delta</a:t>
+            </a:r>
+            <a:r>
+              <a:rPr lang="en-US" sz="1600" dirty="0">
+                <a:latin typeface="Helvetica Neue Thin"/>
+              </a:rPr>
+              <a:t>",</a:t>
+            </a:r>
+            <a:r>
+              <a:rPr lang="ru-RU" sz="1600" dirty="0">
+                <a:latin typeface="Helvetica Neue Thin"/>
+              </a:rPr>
+              <a:t>            </a:t>
+            </a:r>
+            <a:r>
+              <a:rPr lang="en-US" sz="1600" dirty="0">
+                <a:latin typeface="Helvetica Neue Thin"/>
+              </a:rPr>
+              <a:t>"</a:t>
+            </a:r>
+            <a:r>
+              <a:rPr lang="en-US" sz="1600" dirty="0" err="1">
+                <a:latin typeface="Helvetica Neue Thin"/>
+              </a:rPr>
+              <a:t>departure_delta</a:t>
+            </a:r>
+            <a:r>
+              <a:rPr lang="en-US" sz="1600" dirty="0">
+                <a:latin typeface="Helvetica Neue Thin"/>
+              </a:rPr>
+              <a:t>“ </a:t>
+            </a:r>
+            <a:r>
+              <a:rPr lang="ru-RU" sz="1600" dirty="0">
+                <a:latin typeface="Helvetica Neue Thin"/>
+              </a:rPr>
+              <a:t>(плановая продолжительность</a:t>
+            </a:r>
+            <a:r>
+              <a:rPr lang="en-US" sz="1600" dirty="0">
+                <a:latin typeface="Helvetica Neue Thin"/>
+              </a:rPr>
+              <a:t>, </a:t>
+            </a:r>
+            <a:r>
+              <a:rPr lang="ru-RU" sz="1600" dirty="0">
+                <a:latin typeface="Helvetica Neue Thin"/>
+              </a:rPr>
+              <a:t>актуальная продолжительность, их разница, разница между плановыми и фактическими отправлениями и приземлениями) – важно для возможности в будущем оценивать топливо и аэропортовые сборы: регулярные задержки в воздухе или аэропорту означают, вероятно, большие траты.</a:t>
+            </a:r>
+          </a:p>
+        </p:txBody>
+      </p:sp>
+    </p:spTree>
+    <p:extLst>
+      <p:ext uri="{BB962C8B-B14F-4D97-AF65-F5344CB8AC3E}">
+        <p14:creationId xmlns:p14="http://schemas.microsoft.com/office/powerpoint/2010/main" val="3858095531"/>
+      </p:ext>
+    </p:extLst>
+  </p:cSld>
+  <p:clrMapOvr>
+    <a:masterClrMapping/>
+  </p:clrMapOvr>
+  <p:transition spd="med"/>
+</p:sld>
+</file>
+
+<file path=ppt/slides/slide6.xml><?xml version="1.0" encoding="utf-8"?>
+<p:sld xmlns:a="http://schemas.openxmlformats.org/drawingml/2006/main" xmlns:r="http://schemas.openxmlformats.org/officeDocument/2006/relationships" xmlns:p="http://schemas.openxmlformats.org/presentationml/2006/main">
+  <p:cSld>
+    <p:spTree>
+      <p:nvGrpSpPr>
+        <p:cNvPr id="1" name=""/>
+        <p:cNvGrpSpPr/>
+        <p:nvPr/>
+      </p:nvGrpSpPr>
+      <p:grpSpPr>
+        <a:xfrm>
+          <a:off x="0" y="0"/>
+          <a:ext cx="0" cy="0"/>
+          <a:chOff x="0" y="0"/>
+          <a:chExt cx="0" cy="0"/>
+        </a:xfrm>
+      </p:grpSpPr>
+      <p:sp>
+        <p:nvSpPr>
+          <p:cNvPr id="120" name="TextBox 1"/>
+          <p:cNvSpPr txBox="1"/>
+          <p:nvPr/>
+        </p:nvSpPr>
+        <p:spPr>
+          <a:xfrm>
+            <a:off x="3359805" y="452578"/>
+            <a:ext cx="5457300" cy="400110"/>
+          </a:xfrm>
+          <a:prstGeom prst="rect">
+            <a:avLst/>
+          </a:prstGeom>
+          <a:ln w="12700">
+            <a:miter lim="400000"/>
+          </a:ln>
+          <a:extLst>
+            <a:ext uri="{C572A759-6A51-4108-AA02-DFA0A04FC94B}">
+              <ma14:wrappingTextBoxFlag xmlns="" xmlns:m="http://schemas.openxmlformats.org/officeDocument/2006/math" xmlns:a14="http://schemas.microsoft.com/office/drawing/2010/main" xmlns:ma14="http://schemas.microsoft.com/office/mac/drawingml/2011/main" val="1"/>
+            </a:ext>
+          </a:extLst>
+        </p:spPr>
+        <p:txBody>
+          <a:bodyPr wrap="square" lIns="45719" rIns="45719">
+            <a:spAutoFit/>
+          </a:bodyPr>
+          <a:lstStyle/>
+          <a:p>
+            <a:pPr>
+              <a:defRPr sz="1600">
+                <a:latin typeface="Helvetica Neue Thin"/>
+                <a:ea typeface="Helvetica Neue Thin"/>
+                <a:cs typeface="Helvetica Neue Thin"/>
+                <a:sym typeface="Helvetica Neue Thin"/>
+              </a:defRPr>
+            </a:pPr>
+            <a:r>
+              <a:rPr lang="ru-RU" sz="2000" dirty="0">
+                <a:sym typeface="Helvetica Neue Thin"/>
+              </a:rPr>
+              <a:t>Данные, которые можно добавить в</a:t>
+            </a:r>
+            <a:r>
+              <a:rPr lang="en-US" sz="2000" dirty="0">
+                <a:sym typeface="Helvetica Neue Thin"/>
+              </a:rPr>
+              <a:t> </a:t>
+            </a:r>
+            <a:r>
+              <a:rPr lang="ru-RU" sz="2000" dirty="0">
+                <a:sym typeface="Helvetica Neue Thin"/>
+              </a:rPr>
+              <a:t>таблицу</a:t>
+            </a:r>
+            <a:endParaRPr lang="ru-RU" sz="2000" dirty="0"/>
+          </a:p>
+        </p:txBody>
+      </p:sp>
+      <p:sp>
+        <p:nvSpPr>
+          <p:cNvPr id="121" name="Прямая соединительная линия 3"/>
+          <p:cNvSpPr/>
+          <p:nvPr/>
+        </p:nvSpPr>
+        <p:spPr>
+          <a:xfrm>
+            <a:off x="878185" y="1022175"/>
+            <a:ext cx="10420541" cy="1"/>
+          </a:xfrm>
+          <a:prstGeom prst="line">
+            <a:avLst/>
+          </a:prstGeom>
+          <a:ln w="6350">
+            <a:solidFill>
+              <a:schemeClr val="accent1"/>
+            </a:solidFill>
+            <a:miter/>
+          </a:ln>
+        </p:spPr>
+        <p:txBody>
+          <a:bodyPr lIns="45719" rIns="45719"/>
+          <a:lstStyle/>
+          <a:p>
+            <a:endParaRPr/>
+          </a:p>
+        </p:txBody>
+      </p:sp>
+      <p:sp>
+        <p:nvSpPr>
+          <p:cNvPr id="4" name="TextBox 1">
+            <a:extLst>
+              <a:ext uri="{FF2B5EF4-FFF2-40B4-BE49-F238E27FC236}">
+                <a16:creationId xmlns:a16="http://schemas.microsoft.com/office/drawing/2014/main" id="{5C0A69F8-0D8F-4DBD-B9EE-8E58B2BD8119}"/>
+              </a:ext>
+            </a:extLst>
+          </p:cNvPr>
+          <p:cNvSpPr txBox="1"/>
+          <p:nvPr/>
+        </p:nvSpPr>
+        <p:spPr>
+          <a:xfrm>
+            <a:off x="878185" y="1287500"/>
+            <a:ext cx="10420540" cy="2800767"/>
+          </a:xfrm>
+          <a:prstGeom prst="rect">
+            <a:avLst/>
+          </a:prstGeom>
+          <a:ln w="12700">
+            <a:miter lim="400000"/>
+          </a:ln>
+          <a:extLst>
+            <a:ext uri="{C572A759-6A51-4108-AA02-DFA0A04FC94B}">
+              <ma14:wrappingTextBoxFlag xmlns="" xmlns:m="http://schemas.openxmlformats.org/officeDocument/2006/math" xmlns:a14="http://schemas.microsoft.com/office/drawing/2010/main" xmlns:ma14="http://schemas.microsoft.com/office/mac/drawingml/2011/main" val="1"/>
+            </a:ext>
+          </a:extLst>
+        </p:spPr>
+        <p:txBody>
+          <a:bodyPr wrap="square" lIns="45719" rIns="45719">
+            <a:spAutoFit/>
+          </a:bodyPr>
+          <a:lstStyle/>
+          <a:p>
+            <a:pPr>
+              <a:defRPr sz="1600">
+                <a:latin typeface="Helvetica Neue Thin"/>
+                <a:ea typeface="Helvetica Neue Thin"/>
+                <a:cs typeface="Helvetica Neue Thin"/>
+                <a:sym typeface="Helvetica Neue Thin"/>
+              </a:defRPr>
+            </a:pPr>
+            <a:r>
+              <a:rPr lang="ru-RU" sz="1600" dirty="0">
+                <a:latin typeface="Helvetica Neue Thin"/>
+              </a:rPr>
+              <a:t>Хочется посмотреть больше закономерностей из имеющихся данных. </a:t>
+            </a:r>
+            <a:endParaRPr lang="en-US" sz="1600" dirty="0">
+              <a:latin typeface="Helvetica Neue Thin"/>
+            </a:endParaRPr>
+          </a:p>
+          <a:p>
+            <a:pPr>
+              <a:defRPr sz="1600">
+                <a:latin typeface="Helvetica Neue Thin"/>
+                <a:ea typeface="Helvetica Neue Thin"/>
+                <a:cs typeface="Helvetica Neue Thin"/>
+                <a:sym typeface="Helvetica Neue Thin"/>
+              </a:defRPr>
+            </a:pPr>
+            <a:endParaRPr lang="en-US" sz="1600" dirty="0">
+              <a:latin typeface="Helvetica Neue Thin"/>
+            </a:endParaRPr>
+          </a:p>
+          <a:p>
+            <a:pPr marL="342900" indent="-342900">
+              <a:buAutoNum type="arabicParenR"/>
+              <a:defRPr sz="1600">
+                <a:latin typeface="Helvetica Neue Thin"/>
+                <a:ea typeface="Helvetica Neue Thin"/>
+                <a:cs typeface="Helvetica Neue Thin"/>
+                <a:sym typeface="Helvetica Neue Thin"/>
+              </a:defRPr>
+            </a:pPr>
+            <a:r>
+              <a:rPr lang="ru-RU" sz="1600" dirty="0">
+                <a:latin typeface="Helvetica Neue Thin"/>
+              </a:rPr>
+              <a:t>Соотношение посадочных и билетов – может можно запланировать </a:t>
+            </a:r>
+            <a:r>
+              <a:rPr lang="ru-RU" sz="1600" dirty="0" err="1">
+                <a:latin typeface="Helvetica Neue Thin"/>
+              </a:rPr>
+              <a:t>овербукинг</a:t>
+            </a:r>
+            <a:r>
+              <a:rPr lang="ru-RU" sz="1600" dirty="0">
+                <a:latin typeface="Helvetica Neue Thin"/>
+              </a:rPr>
+              <a:t> если билетов покупают больше пришедших на рейс</a:t>
+            </a:r>
+          </a:p>
+          <a:p>
+            <a:pPr marL="342900" indent="-342900">
+              <a:buAutoNum type="arabicParenR"/>
+              <a:defRPr sz="1600">
+                <a:latin typeface="Helvetica Neue Thin"/>
+                <a:ea typeface="Helvetica Neue Thin"/>
+                <a:cs typeface="Helvetica Neue Thin"/>
+                <a:sym typeface="Helvetica Neue Thin"/>
+              </a:defRPr>
+            </a:pPr>
+            <a:endParaRPr lang="ru-RU" sz="1600" dirty="0">
+              <a:latin typeface="Helvetica Neue Thin"/>
+            </a:endParaRPr>
+          </a:p>
+          <a:p>
+            <a:pPr marL="342900" indent="-342900">
+              <a:buAutoNum type="arabicParenR"/>
+              <a:defRPr sz="1600">
+                <a:latin typeface="Helvetica Neue Thin"/>
+                <a:ea typeface="Helvetica Neue Thin"/>
+                <a:cs typeface="Helvetica Neue Thin"/>
+                <a:sym typeface="Helvetica Neue Thin"/>
+              </a:defRPr>
+            </a:pPr>
+            <a:r>
+              <a:rPr lang="ru-RU" sz="1600" dirty="0">
+                <a:latin typeface="Helvetica Neue Thin"/>
+              </a:rPr>
+              <a:t>Разбивка рейсов по классам купленных билетов, а также по количеству возможных билетов каждого класса – может на каких-то рейсах можно получать дополнительную прибыль продавая больше дорогих мест, а их нету</a:t>
+            </a:r>
+          </a:p>
+          <a:p>
+            <a:pPr marL="342900" indent="-342900">
+              <a:buAutoNum type="arabicParenR"/>
+              <a:defRPr sz="1600">
+                <a:latin typeface="Helvetica Neue Thin"/>
+                <a:ea typeface="Helvetica Neue Thin"/>
+                <a:cs typeface="Helvetica Neue Thin"/>
+                <a:sym typeface="Helvetica Neue Thin"/>
+              </a:defRPr>
+            </a:pPr>
+            <a:endParaRPr lang="ru-RU" sz="1600" dirty="0">
+              <a:latin typeface="Helvetica Neue Thin"/>
+            </a:endParaRPr>
+          </a:p>
+          <a:p>
+            <a:pPr marL="342900" indent="-342900">
+              <a:buAutoNum type="arabicParenR"/>
+              <a:defRPr sz="1600">
+                <a:latin typeface="Helvetica Neue Thin"/>
+                <a:ea typeface="Helvetica Neue Thin"/>
+                <a:cs typeface="Helvetica Neue Thin"/>
+                <a:sym typeface="Helvetica Neue Thin"/>
+              </a:defRPr>
+            </a:pPr>
+            <a:r>
+              <a:rPr lang="ru-RU" sz="1600" dirty="0">
+                <a:latin typeface="Helvetica Neue Thin"/>
+              </a:rPr>
+              <a:t>Статистика по номеру </a:t>
+            </a:r>
+            <a:r>
+              <a:rPr lang="en-US" sz="1600" dirty="0" err="1">
+                <a:latin typeface="Helvetica Neue Thin"/>
+              </a:rPr>
+              <a:t>flight_no</a:t>
+            </a:r>
+            <a:r>
+              <a:rPr lang="ru-RU" sz="1600" dirty="0">
+                <a:latin typeface="Helvetica Neue Thin"/>
+              </a:rPr>
+              <a:t> и дням недели/месяца</a:t>
+            </a:r>
+            <a:r>
+              <a:rPr lang="en-US" sz="1600" dirty="0">
+                <a:latin typeface="Helvetica Neue Thin"/>
+              </a:rPr>
+              <a:t>, </a:t>
+            </a:r>
+            <a:r>
+              <a:rPr lang="ru-RU" sz="1600" dirty="0">
+                <a:latin typeface="Helvetica Neue Thin"/>
+              </a:rPr>
+              <a:t>возможно можно в некоторые дни один рейс пускать чаще, а в некоторые убрать.</a:t>
+            </a:r>
+          </a:p>
+        </p:txBody>
+      </p:sp>
+      <p:sp>
+        <p:nvSpPr>
+          <p:cNvPr id="5" name="TextBox 1">
+            <a:extLst>
+              <a:ext uri="{FF2B5EF4-FFF2-40B4-BE49-F238E27FC236}">
+                <a16:creationId xmlns:a16="http://schemas.microsoft.com/office/drawing/2014/main" id="{1934E70F-E6AA-4240-957B-3299E3CE88CB}"/>
+              </a:ext>
+            </a:extLst>
+          </p:cNvPr>
+          <p:cNvSpPr txBox="1"/>
+          <p:nvPr/>
+        </p:nvSpPr>
+        <p:spPr>
+          <a:xfrm>
+            <a:off x="878186" y="4463018"/>
+            <a:ext cx="10420540" cy="2062103"/>
+          </a:xfrm>
+          <a:prstGeom prst="rect">
+            <a:avLst/>
+          </a:prstGeom>
+          <a:ln w="12700">
+            <a:miter lim="400000"/>
+          </a:ln>
+          <a:extLst>
+            <a:ext uri="{C572A759-6A51-4108-AA02-DFA0A04FC94B}">
+              <ma14:wrappingTextBoxFlag xmlns="" xmlns:m="http://schemas.openxmlformats.org/officeDocument/2006/math" xmlns:a14="http://schemas.microsoft.com/office/drawing/2010/main" xmlns:ma14="http://schemas.microsoft.com/office/mac/drawingml/2011/main" val="1"/>
+            </a:ext>
+          </a:extLst>
+        </p:spPr>
+        <p:txBody>
+          <a:bodyPr wrap="square" lIns="45719" rIns="45719">
+            <a:spAutoFit/>
+          </a:bodyPr>
+          <a:lstStyle/>
+          <a:p>
+            <a:pPr>
+              <a:defRPr sz="1600">
+                <a:latin typeface="Helvetica Neue Thin"/>
+                <a:ea typeface="Helvetica Neue Thin"/>
+                <a:cs typeface="Helvetica Neue Thin"/>
+                <a:sym typeface="Helvetica Neue Thin"/>
+              </a:defRPr>
+            </a:pPr>
+            <a:r>
+              <a:rPr lang="ru-RU" sz="1600" dirty="0">
+                <a:latin typeface="Helvetica Neue Thin"/>
+              </a:rPr>
+              <a:t>Хочется получить больше внешних данных. </a:t>
+            </a:r>
+            <a:endParaRPr lang="en-US" sz="1600" dirty="0">
+              <a:latin typeface="Helvetica Neue Thin"/>
+            </a:endParaRPr>
+          </a:p>
+          <a:p>
+            <a:pPr>
+              <a:defRPr sz="1600">
+                <a:latin typeface="Helvetica Neue Thin"/>
+                <a:ea typeface="Helvetica Neue Thin"/>
+                <a:cs typeface="Helvetica Neue Thin"/>
+                <a:sym typeface="Helvetica Neue Thin"/>
+              </a:defRPr>
+            </a:pPr>
+            <a:endParaRPr lang="en-US" sz="1600" dirty="0">
+              <a:latin typeface="Helvetica Neue Thin"/>
+            </a:endParaRPr>
+          </a:p>
+          <a:p>
+            <a:pPr marL="342900" indent="-342900">
+              <a:buAutoNum type="arabicParenR"/>
+              <a:defRPr sz="1600">
+                <a:latin typeface="Helvetica Neue Thin"/>
+                <a:ea typeface="Helvetica Neue Thin"/>
+                <a:cs typeface="Helvetica Neue Thin"/>
+                <a:sym typeface="Helvetica Neue Thin"/>
+              </a:defRPr>
+            </a:pPr>
+            <a:r>
+              <a:rPr lang="ru-RU" sz="1600" dirty="0">
+                <a:latin typeface="Helvetica Neue Thin"/>
+              </a:rPr>
+              <a:t>Расходы топлива на самолет (</a:t>
+            </a:r>
+            <a:r>
+              <a:rPr lang="ru-RU" sz="1600" dirty="0">
+                <a:latin typeface="Helvetica Neue Thin"/>
+                <a:hlinkClick r:id="rId3"/>
+              </a:rPr>
+              <a:t>https://www.airlines-inform.ru/</a:t>
+            </a:r>
+            <a:r>
+              <a:rPr lang="ru-RU" sz="1600" dirty="0">
+                <a:latin typeface="Helvetica Neue Thin"/>
+              </a:rPr>
+              <a:t> http://newsruss.ru/doc/index.php/Расход_топлива_у_самолётов)</a:t>
+            </a:r>
+          </a:p>
+          <a:p>
+            <a:pPr marL="342900" indent="-342900">
+              <a:buAutoNum type="arabicParenR"/>
+              <a:defRPr sz="1600">
+                <a:latin typeface="Helvetica Neue Thin"/>
+                <a:ea typeface="Helvetica Neue Thin"/>
+                <a:cs typeface="Helvetica Neue Thin"/>
+                <a:sym typeface="Helvetica Neue Thin"/>
+              </a:defRPr>
+            </a:pPr>
+            <a:endParaRPr lang="ru-RU" sz="1600" dirty="0">
+              <a:latin typeface="Helvetica Neue Thin"/>
+            </a:endParaRPr>
+          </a:p>
+          <a:p>
+            <a:pPr marL="342900" indent="-342900">
+              <a:buAutoNum type="arabicParenR"/>
+              <a:defRPr sz="1600">
+                <a:latin typeface="Helvetica Neue Thin"/>
+                <a:ea typeface="Helvetica Neue Thin"/>
+                <a:cs typeface="Helvetica Neue Thin"/>
+                <a:sym typeface="Helvetica Neue Thin"/>
+              </a:defRPr>
+            </a:pPr>
+            <a:r>
+              <a:rPr lang="ru-RU" sz="1600" dirty="0">
+                <a:latin typeface="Helvetica Neue Thin"/>
+              </a:rPr>
+              <a:t>Аэропортовые сборы и отчего они зависят</a:t>
+            </a:r>
+          </a:p>
+          <a:p>
+            <a:pPr marL="342900" indent="-342900">
+              <a:buAutoNum type="arabicParenR"/>
+              <a:defRPr sz="1600">
+                <a:latin typeface="Helvetica Neue Thin"/>
+                <a:ea typeface="Helvetica Neue Thin"/>
+                <a:cs typeface="Helvetica Neue Thin"/>
+                <a:sym typeface="Helvetica Neue Thin"/>
+              </a:defRPr>
+            </a:pPr>
+            <a:endParaRPr lang="ru-RU" sz="1600" dirty="0">
+              <a:latin typeface="Helvetica Neue Thin"/>
+            </a:endParaRPr>
+          </a:p>
+          <a:p>
+            <a:pPr marL="342900" indent="-342900">
+              <a:buAutoNum type="arabicParenR"/>
+              <a:defRPr sz="1600">
+                <a:latin typeface="Helvetica Neue Thin"/>
+                <a:ea typeface="Helvetica Neue Thin"/>
+                <a:cs typeface="Helvetica Neue Thin"/>
+                <a:sym typeface="Helvetica Neue Thin"/>
+              </a:defRPr>
+            </a:pPr>
+            <a:r>
+              <a:rPr lang="ru-RU" sz="1600" dirty="0">
+                <a:latin typeface="Helvetica Neue Thin"/>
+              </a:rPr>
+              <a:t>Количество персонала и как зависит их зарплата от длительности рейсов</a:t>
+            </a:r>
+          </a:p>
+        </p:txBody>
+      </p:sp>
+    </p:spTree>
+    <p:extLst>
+      <p:ext uri="{BB962C8B-B14F-4D97-AF65-F5344CB8AC3E}">
+        <p14:creationId xmlns:p14="http://schemas.microsoft.com/office/powerpoint/2010/main" val="2855592382"/>
+      </p:ext>
+    </p:extLst>
+  </p:cSld>
+  <p:clrMapOvr>
+    <a:masterClrMapping/>
+  </p:clrMapOvr>
+  <p:transition spd="med"/>
+</p:sld>
+</file>
+
+<file path=ppt/slides/slide7.xml><?xml version="1.0" encoding="utf-8"?>
+<p:sld xmlns:a="http://schemas.openxmlformats.org/drawingml/2006/main" xmlns:r="http://schemas.openxmlformats.org/officeDocument/2006/relationships" xmlns:p="http://schemas.openxmlformats.org/presentationml/2006/main">
+  <p:cSld>
+    <p:spTree>
+      <p:nvGrpSpPr>
+        <p:cNvPr id="1" name=""/>
+        <p:cNvGrpSpPr/>
+        <p:nvPr/>
+      </p:nvGrpSpPr>
+      <p:grpSpPr>
+        <a:xfrm>
+          <a:off x="0" y="0"/>
+          <a:ext cx="0" cy="0"/>
+          <a:chOff x="0" y="0"/>
+          <a:chExt cx="0" cy="0"/>
+        </a:xfrm>
+      </p:grpSpPr>
+      <p:sp>
+        <p:nvSpPr>
+          <p:cNvPr id="120" name="TextBox 1"/>
+          <p:cNvSpPr txBox="1"/>
+          <p:nvPr/>
+        </p:nvSpPr>
+        <p:spPr>
+          <a:xfrm>
             <a:off x="1064474" y="531166"/>
             <a:ext cx="10047961" cy="400110"/>
           </a:xfrm>
@@ -4779,7 +5968,7 @@
           </a:ln>
           <a:extLst>
             <a:ext uri="{C572A759-6A51-4108-AA02-DFA0A04FC94B}">
-              <ma14:wrappingTextBoxFlag xmlns:ma14="http://schemas.microsoft.com/office/mac/drawingml/2011/main" xmlns:a14="http://schemas.microsoft.com/office/drawing/2010/main" xmlns:m="http://schemas.openxmlformats.org/officeDocument/2006/math" xmlns="" val="1"/>
+              <ma14:wrappingTextBoxFlag xmlns="" xmlns:m="http://schemas.openxmlformats.org/officeDocument/2006/math" xmlns:a14="http://schemas.microsoft.com/office/drawing/2010/main" xmlns:ma14="http://schemas.microsoft.com/office/mac/drawingml/2011/main" val="1"/>
             </a:ext>
           </a:extLst>
         </p:spPr>
@@ -4867,7 +6056,7 @@
           </a:ln>
           <a:extLst>
             <a:ext uri="{C572A759-6A51-4108-AA02-DFA0A04FC94B}">
-              <ma14:wrappingTextBoxFlag xmlns:ma14="http://schemas.microsoft.com/office/mac/drawingml/2011/main" xmlns:a14="http://schemas.microsoft.com/office/drawing/2010/main" xmlns:m="http://schemas.openxmlformats.org/officeDocument/2006/math" xmlns="" val="1"/>
+              <ma14:wrappingTextBoxFlag xmlns="" xmlns:m="http://schemas.openxmlformats.org/officeDocument/2006/math" xmlns:a14="http://schemas.microsoft.com/office/drawing/2010/main" xmlns:ma14="http://schemas.microsoft.com/office/mac/drawingml/2011/main" val="1"/>
             </a:ext>
           </a:extLst>
         </p:spPr>
@@ -5019,7 +6208,7 @@
           </a:ln>
           <a:extLst>
             <a:ext uri="{C572A759-6A51-4108-AA02-DFA0A04FC94B}">
-              <ma14:wrappingTextBoxFlag xmlns:ma14="http://schemas.microsoft.com/office/mac/drawingml/2011/main" xmlns:a14="http://schemas.microsoft.com/office/drawing/2010/main" xmlns:m="http://schemas.openxmlformats.org/officeDocument/2006/math" xmlns="" val="1"/>
+              <ma14:wrappingTextBoxFlag xmlns="" xmlns:m="http://schemas.openxmlformats.org/officeDocument/2006/math" xmlns:a14="http://schemas.microsoft.com/office/drawing/2010/main" xmlns:ma14="http://schemas.microsoft.com/office/mac/drawingml/2011/main" val="1"/>
             </a:ext>
           </a:extLst>
         </p:spPr>
@@ -5124,7 +6313,7 @@
 </p:sld>
 </file>
 
-<file path=ppt/slides/slide6.xml><?xml version="1.0" encoding="utf-8"?>
+<file path=ppt/slides/slide8.xml><?xml version="1.0" encoding="utf-8"?>
 <p:sld xmlns:a="http://schemas.openxmlformats.org/drawingml/2006/main" xmlns:r="http://schemas.openxmlformats.org/officeDocument/2006/relationships" xmlns:p="http://schemas.openxmlformats.org/presentationml/2006/main">
   <p:cSld>
     <p:spTree>
@@ -5160,7 +6349,7 @@
           </a:ln>
           <a:extLst>
             <a:ext uri="{C572A759-6A51-4108-AA02-DFA0A04FC94B}">
-              <ma14:wrappingTextBoxFlag xmlns:ma14="http://schemas.microsoft.com/office/mac/drawingml/2011/main" xmlns:a14="http://schemas.microsoft.com/office/drawing/2010/main" xmlns:m="http://schemas.openxmlformats.org/officeDocument/2006/math" xmlns="" val="1"/>
+              <ma14:wrappingTextBoxFlag xmlns="" xmlns:m="http://schemas.openxmlformats.org/officeDocument/2006/math" xmlns:a14="http://schemas.microsoft.com/office/drawing/2010/main" xmlns:ma14="http://schemas.microsoft.com/office/mac/drawingml/2011/main" val="1"/>
             </a:ext>
           </a:extLst>
         </p:spPr>
